--- a/SDD 관련 자료/작업 결과물/프로그램 구조도(트랜스폼, 트랜젝션)/강의평과 결과 조회.pptx
+++ b/SDD 관련 자료/작업 결과물/프로그램 구조도(트랜스폼, 트랜젝션)/강의평과 결과 조회.pptx
@@ -213,7 +213,7 @@
           <a:p>
             <a:fld id="{85632977-57FF-4290-851E-AE411BBBBEB2}" type="datetimeFigureOut">
               <a:rPr lang="ko-KR" altLang="en-US" smtClean="0"/>
-              <a:t>2016-05-30</a:t>
+              <a:t>2016-05-31</a:t>
             </a:fld>
             <a:endParaRPr lang="ko-KR" altLang="en-US"/>
           </a:p>
@@ -694,7 +694,7 @@
           <a:p>
             <a:fld id="{CF8179D7-D033-41D0-A6BF-A7F2D307D978}" type="datetimeFigureOut">
               <a:rPr lang="ko-KR" altLang="en-US" smtClean="0"/>
-              <a:t>2016-05-30</a:t>
+              <a:t>2016-05-31</a:t>
             </a:fld>
             <a:endParaRPr lang="ko-KR" altLang="en-US"/>
           </a:p>
@@ -862,7 +862,7 @@
           <a:p>
             <a:fld id="{CF8179D7-D033-41D0-A6BF-A7F2D307D978}" type="datetimeFigureOut">
               <a:rPr lang="ko-KR" altLang="en-US" smtClean="0"/>
-              <a:t>2016-05-30</a:t>
+              <a:t>2016-05-31</a:t>
             </a:fld>
             <a:endParaRPr lang="ko-KR" altLang="en-US"/>
           </a:p>
@@ -1040,7 +1040,7 @@
           <a:p>
             <a:fld id="{CF8179D7-D033-41D0-A6BF-A7F2D307D978}" type="datetimeFigureOut">
               <a:rPr lang="ko-KR" altLang="en-US" smtClean="0"/>
-              <a:t>2016-05-30</a:t>
+              <a:t>2016-05-31</a:t>
             </a:fld>
             <a:endParaRPr lang="ko-KR" altLang="en-US"/>
           </a:p>
@@ -1208,7 +1208,7 @@
           <a:p>
             <a:fld id="{CF8179D7-D033-41D0-A6BF-A7F2D307D978}" type="datetimeFigureOut">
               <a:rPr lang="ko-KR" altLang="en-US" smtClean="0"/>
-              <a:t>2016-05-30</a:t>
+              <a:t>2016-05-31</a:t>
             </a:fld>
             <a:endParaRPr lang="ko-KR" altLang="en-US"/>
           </a:p>
@@ -1453,7 +1453,7 @@
           <a:p>
             <a:fld id="{CF8179D7-D033-41D0-A6BF-A7F2D307D978}" type="datetimeFigureOut">
               <a:rPr lang="ko-KR" altLang="en-US" smtClean="0"/>
-              <a:t>2016-05-30</a:t>
+              <a:t>2016-05-31</a:t>
             </a:fld>
             <a:endParaRPr lang="ko-KR" altLang="en-US"/>
           </a:p>
@@ -1682,7 +1682,7 @@
           <a:p>
             <a:fld id="{CF8179D7-D033-41D0-A6BF-A7F2D307D978}" type="datetimeFigureOut">
               <a:rPr lang="ko-KR" altLang="en-US" smtClean="0"/>
-              <a:t>2016-05-30</a:t>
+              <a:t>2016-05-31</a:t>
             </a:fld>
             <a:endParaRPr lang="ko-KR" altLang="en-US"/>
           </a:p>
@@ -2046,7 +2046,7 @@
           <a:p>
             <a:fld id="{CF8179D7-D033-41D0-A6BF-A7F2D307D978}" type="datetimeFigureOut">
               <a:rPr lang="ko-KR" altLang="en-US" smtClean="0"/>
-              <a:t>2016-05-30</a:t>
+              <a:t>2016-05-31</a:t>
             </a:fld>
             <a:endParaRPr lang="ko-KR" altLang="en-US"/>
           </a:p>
@@ -2163,7 +2163,7 @@
           <a:p>
             <a:fld id="{CF8179D7-D033-41D0-A6BF-A7F2D307D978}" type="datetimeFigureOut">
               <a:rPr lang="ko-KR" altLang="en-US" smtClean="0"/>
-              <a:t>2016-05-30</a:t>
+              <a:t>2016-05-31</a:t>
             </a:fld>
             <a:endParaRPr lang="ko-KR" altLang="en-US"/>
           </a:p>
@@ -2258,7 +2258,7 @@
           <a:p>
             <a:fld id="{CF8179D7-D033-41D0-A6BF-A7F2D307D978}" type="datetimeFigureOut">
               <a:rPr lang="ko-KR" altLang="en-US" smtClean="0"/>
-              <a:t>2016-05-30</a:t>
+              <a:t>2016-05-31</a:t>
             </a:fld>
             <a:endParaRPr lang="ko-KR" altLang="en-US"/>
           </a:p>
@@ -2533,7 +2533,7 @@
           <a:p>
             <a:fld id="{CF8179D7-D033-41D0-A6BF-A7F2D307D978}" type="datetimeFigureOut">
               <a:rPr lang="ko-KR" altLang="en-US" smtClean="0"/>
-              <a:t>2016-05-30</a:t>
+              <a:t>2016-05-31</a:t>
             </a:fld>
             <a:endParaRPr lang="ko-KR" altLang="en-US"/>
           </a:p>
@@ -2785,7 +2785,7 @@
           <a:p>
             <a:fld id="{CF8179D7-D033-41D0-A6BF-A7F2D307D978}" type="datetimeFigureOut">
               <a:rPr lang="ko-KR" altLang="en-US" smtClean="0"/>
-              <a:t>2016-05-30</a:t>
+              <a:t>2016-05-31</a:t>
             </a:fld>
             <a:endParaRPr lang="ko-KR" altLang="en-US"/>
           </a:p>
@@ -2996,7 +2996,7 @@
           <a:p>
             <a:fld id="{CF8179D7-D033-41D0-A6BF-A7F2D307D978}" type="datetimeFigureOut">
               <a:rPr lang="ko-KR" altLang="en-US" smtClean="0"/>
-              <a:t>2016-05-30</a:t>
+              <a:t>2016-05-31</a:t>
             </a:fld>
             <a:endParaRPr lang="ko-KR" altLang="en-US"/>
           </a:p>
@@ -3451,15 +3451,7 @@
                   <a:sysClr val="windowText" lastClr="000000"/>
                 </a:solidFill>
               </a:rPr>
-              <a:t>강의평가 </a:t>
-            </a:r>
-            <a:r>
-              <a:rPr lang="ko-KR" altLang="en-US" sz="1100" dirty="0" smtClean="0">
-                <a:solidFill>
-                  <a:sysClr val="windowText" lastClr="000000"/>
-                </a:solidFill>
-              </a:rPr>
-              <a:t>결과 변환</a:t>
+              <a:t>강의평가 결과 변환</a:t>
             </a:r>
             <a:endParaRPr lang="ko-KR" altLang="en-US" sz="1100" dirty="0">
               <a:solidFill>
@@ -3729,15 +3721,7 @@
                   <a:sysClr val="windowText" lastClr="000000"/>
                 </a:solidFill>
               </a:rPr>
-              <a:t>강의평가 </a:t>
-            </a:r>
-            <a:r>
-              <a:rPr lang="ko-KR" altLang="en-US" sz="1100" dirty="0" smtClean="0">
-                <a:solidFill>
-                  <a:sysClr val="windowText" lastClr="000000"/>
-                </a:solidFill>
-              </a:rPr>
-              <a:t>결과 출력</a:t>
+              <a:t>강의평가 결과 출력</a:t>
             </a:r>
             <a:endParaRPr lang="ko-KR" altLang="en-US" sz="1100" dirty="0">
               <a:solidFill>
@@ -3833,15 +3817,7 @@
                   <a:sysClr val="windowText" lastClr="000000"/>
                 </a:solidFill>
               </a:rPr>
-              <a:t>강의평가 </a:t>
-            </a:r>
-            <a:r>
-              <a:rPr lang="ko-KR" altLang="en-US" sz="1100" dirty="0" smtClean="0">
-                <a:solidFill>
-                  <a:sysClr val="windowText" lastClr="000000"/>
-                </a:solidFill>
-              </a:rPr>
-              <a:t>결과 </a:t>
+              <a:t>강의평가 결과 </a:t>
             </a:r>
             <a:endParaRPr lang="en-US" altLang="ko-KR" sz="1100" dirty="0" smtClean="0">
               <a:solidFill>
@@ -5180,110 +5156,45 @@
         </p:nvGrpSpPr>
         <p:grpSpPr>
           <a:xfrm rot="2326883">
-            <a:off x="8179292" y="6612700"/>
-            <a:ext cx="1295969" cy="542376"/>
+            <a:off x="8181157" y="6613356"/>
+            <a:ext cx="1295969" cy="536421"/>
             <a:chOff x="5965431" y="834634"/>
-            <a:chExt cx="1295969" cy="542376"/>
+            <a:chExt cx="1295969" cy="536421"/>
           </a:xfrm>
         </p:grpSpPr>
-        <p:grpSp>
-          <p:nvGrpSpPr>
-            <p:cNvPr id="146" name="그룹 145"/>
-            <p:cNvGrpSpPr/>
+        <p:cxnSp>
+          <p:nvCxnSpPr>
+            <p:cNvPr id="149" name="직선 연결선 148"/>
+            <p:cNvCxnSpPr/>
             <p:nvPr/>
-          </p:nvGrpSpPr>
-          <p:grpSpPr>
-            <a:xfrm rot="21416685">
-              <a:off x="6135886" y="947170"/>
-              <a:ext cx="465295" cy="429840"/>
-              <a:chOff x="5764817" y="2081712"/>
-              <a:chExt cx="465295" cy="429840"/>
+          </p:nvCxnSpPr>
+          <p:spPr>
+            <a:xfrm rot="21416685" flipH="1" flipV="1">
+              <a:off x="6359173" y="1158857"/>
+              <a:ext cx="247653" cy="212198"/>
             </a:xfrm>
-          </p:grpSpPr>
-          <p:sp>
-            <p:nvSpPr>
-              <p:cNvPr id="148" name="타원 147"/>
-              <p:cNvSpPr/>
-              <p:nvPr/>
-            </p:nvSpPr>
-            <p:spPr>
-              <a:xfrm>
-                <a:off x="5764817" y="2081712"/>
-                <a:ext cx="254984" cy="254984"/>
-              </a:xfrm>
-              <a:prstGeom prst="ellipse">
-                <a:avLst/>
-              </a:prstGeom>
-              <a:solidFill>
-                <a:schemeClr val="accent1"/>
-              </a:solidFill>
-              <a:ln w="38100">
-                <a:solidFill>
-                  <a:schemeClr val="accent1"/>
-                </a:solidFill>
-              </a:ln>
-            </p:spPr>
-            <p:style>
-              <a:lnRef idx="2">
-                <a:schemeClr val="accent1">
-                  <a:shade val="50000"/>
-                </a:schemeClr>
-              </a:lnRef>
-              <a:fillRef idx="1">
-                <a:schemeClr val="accent1"/>
-              </a:fillRef>
-              <a:effectRef idx="0">
-                <a:schemeClr val="accent1"/>
-              </a:effectRef>
-              <a:fontRef idx="minor">
-                <a:schemeClr val="lt1"/>
-              </a:fontRef>
-            </p:style>
-            <p:txBody>
-              <a:bodyPr rtlCol="0" anchor="ctr"/>
-              <a:lstStyle/>
-              <a:p>
-                <a:pPr algn="ctr"/>
-                <a:endParaRPr lang="ko-KR" altLang="en-US"/>
-              </a:p>
-            </p:txBody>
-          </p:sp>
-          <p:cxnSp>
-            <p:nvCxnSpPr>
-              <p:cNvPr id="149" name="직선 연결선 148"/>
-              <p:cNvCxnSpPr>
-                <a:endCxn id="148" idx="5"/>
-              </p:cNvCxnSpPr>
-              <p:nvPr/>
-            </p:nvCxnSpPr>
-            <p:spPr>
-              <a:xfrm flipH="1" flipV="1">
-                <a:off x="5982459" y="2299354"/>
-                <a:ext cx="247653" cy="212198"/>
-              </a:xfrm>
-              <a:prstGeom prst="line">
-                <a:avLst/>
-              </a:prstGeom>
-              <a:ln w="38100">
-                <a:headEnd type="stealth" w="lg" len="lg"/>
-              </a:ln>
-            </p:spPr>
-            <p:style>
-              <a:lnRef idx="1">
-                <a:schemeClr val="accent1"/>
-              </a:lnRef>
-              <a:fillRef idx="0">
-                <a:schemeClr val="accent1"/>
-              </a:fillRef>
-              <a:effectRef idx="0">
-                <a:schemeClr val="accent1"/>
-              </a:effectRef>
-              <a:fontRef idx="minor">
-                <a:schemeClr val="tx1"/>
-              </a:fontRef>
-            </p:style>
-          </p:cxnSp>
-        </p:grpSp>
+            <a:prstGeom prst="line">
+              <a:avLst/>
+            </a:prstGeom>
+            <a:ln w="38100">
+              <a:headEnd type="stealth" w="lg" len="lg"/>
+            </a:ln>
+          </p:spPr>
+          <p:style>
+            <a:lnRef idx="1">
+              <a:schemeClr val="accent1"/>
+            </a:lnRef>
+            <a:fillRef idx="0">
+              <a:schemeClr val="accent1"/>
+            </a:fillRef>
+            <a:effectRef idx="0">
+              <a:schemeClr val="accent1"/>
+            </a:effectRef>
+            <a:fontRef idx="minor">
+              <a:schemeClr val="tx1"/>
+            </a:fontRef>
+          </p:style>
+        </p:cxnSp>
         <p:sp>
           <p:nvSpPr>
             <p:cNvPr id="147" name="TextBox 146"/>
@@ -6862,6 +6773,52 @@
           </p:txBody>
         </p:sp>
       </p:grpSp>
+      <p:sp>
+        <p:nvSpPr>
+          <p:cNvPr id="98" name="타원 97"/>
+          <p:cNvSpPr/>
+          <p:nvPr/>
+        </p:nvSpPr>
+        <p:spPr>
+          <a:xfrm rot="282253">
+            <a:off x="8424976" y="6526916"/>
+            <a:ext cx="254984" cy="254984"/>
+          </a:xfrm>
+          <a:prstGeom prst="ellipse">
+            <a:avLst/>
+          </a:prstGeom>
+          <a:noFill/>
+          <a:ln w="38100">
+            <a:solidFill>
+              <a:schemeClr val="accent1"/>
+            </a:solidFill>
+          </a:ln>
+        </p:spPr>
+        <p:style>
+          <a:lnRef idx="2">
+            <a:schemeClr val="accent1">
+              <a:shade val="50000"/>
+            </a:schemeClr>
+          </a:lnRef>
+          <a:fillRef idx="1">
+            <a:schemeClr val="accent1"/>
+          </a:fillRef>
+          <a:effectRef idx="0">
+            <a:schemeClr val="accent1"/>
+          </a:effectRef>
+          <a:fontRef idx="minor">
+            <a:schemeClr val="lt1"/>
+          </a:fontRef>
+        </p:style>
+        <p:txBody>
+          <a:bodyPr rtlCol="0" anchor="ctr"/>
+          <a:lstStyle/>
+          <a:p>
+            <a:pPr algn="ctr"/>
+            <a:endParaRPr lang="ko-KR" altLang="en-US"/>
+          </a:p>
+        </p:txBody>
+      </p:sp>
     </p:spTree>
     <p:extLst>
       <p:ext uri="{BB962C8B-B14F-4D97-AF65-F5344CB8AC3E}">
@@ -6956,15 +6913,7 @@
                     <a:sysClr val="windowText" lastClr="000000"/>
                   </a:solidFill>
                 </a:rPr>
-                <a:t>강의평가 </a:t>
-              </a:r>
-              <a:r>
-                <a:rPr lang="ko-KR" altLang="en-US" sz="1100" dirty="0" smtClean="0">
-                  <a:solidFill>
-                    <a:sysClr val="windowText" lastClr="000000"/>
-                  </a:solidFill>
-                </a:rPr>
-                <a:t>결과 변환</a:t>
+                <a:t>강의평가 결과 변환</a:t>
               </a:r>
               <a:endParaRPr lang="ko-KR" altLang="en-US" sz="1100" dirty="0">
                 <a:solidFill>
@@ -7234,15 +7183,7 @@
                     <a:sysClr val="windowText" lastClr="000000"/>
                   </a:solidFill>
                 </a:rPr>
-                <a:t>강의평가 </a:t>
-              </a:r>
-              <a:r>
-                <a:rPr lang="ko-KR" altLang="en-US" sz="1100" dirty="0" smtClean="0">
-                  <a:solidFill>
-                    <a:sysClr val="windowText" lastClr="000000"/>
-                  </a:solidFill>
-                </a:rPr>
-                <a:t>결과 출력</a:t>
+                <a:t>강의평가 결과 출력</a:t>
               </a:r>
               <a:endParaRPr lang="ko-KR" altLang="en-US" sz="1100" dirty="0">
                 <a:solidFill>
@@ -7445,15 +7386,7 @@
                   <a:sysClr val="windowText" lastClr="000000"/>
                 </a:solidFill>
               </a:rPr>
-              <a:t>강의평가 </a:t>
-            </a:r>
-            <a:r>
-              <a:rPr lang="ko-KR" altLang="en-US" sz="1100" dirty="0" smtClean="0">
-                <a:solidFill>
-                  <a:sysClr val="windowText" lastClr="000000"/>
-                </a:solidFill>
-              </a:rPr>
-              <a:t>결과 </a:t>
+              <a:t>강의평가 결과 </a:t>
             </a:r>
             <a:endParaRPr lang="en-US" altLang="ko-KR" sz="1100" dirty="0" smtClean="0">
               <a:solidFill>
@@ -7595,15 +7528,7 @@
                   <a:sysClr val="windowText" lastClr="000000"/>
                 </a:solidFill>
               </a:rPr>
-              <a:t>강의평가 </a:t>
-            </a:r>
-            <a:r>
-              <a:rPr lang="ko-KR" altLang="en-US" sz="1100" dirty="0" smtClean="0">
-                <a:solidFill>
-                  <a:sysClr val="windowText" lastClr="000000"/>
-                </a:solidFill>
-              </a:rPr>
-              <a:t>결과 </a:t>
+              <a:t>강의평가 결과 </a:t>
             </a:r>
             <a:endParaRPr lang="en-US" altLang="ko-KR" sz="1100" dirty="0" smtClean="0">
               <a:solidFill>
@@ -7695,15 +7620,7 @@
                   <a:sysClr val="windowText" lastClr="000000"/>
                 </a:solidFill>
               </a:rPr>
-              <a:t>조회 정보 </a:t>
-            </a:r>
-            <a:r>
-              <a:rPr lang="ko-KR" altLang="en-US" sz="1100" dirty="0" smtClean="0">
-                <a:solidFill>
-                  <a:sysClr val="windowText" lastClr="000000"/>
-                </a:solidFill>
-              </a:rPr>
-              <a:t>변환</a:t>
+              <a:t>조회 정보 변환</a:t>
             </a:r>
             <a:endParaRPr lang="ko-KR" altLang="en-US" sz="1100" dirty="0">
               <a:solidFill>
@@ -8161,15 +8078,7 @@
                     <a:sysClr val="windowText" lastClr="000000"/>
                   </a:solidFill>
                 </a:rPr>
-                <a:t>조회 정보 </a:t>
-              </a:r>
-              <a:r>
-                <a:rPr lang="ko-KR" altLang="en-US" sz="1100" dirty="0" smtClean="0">
-                  <a:solidFill>
-                    <a:sysClr val="windowText" lastClr="000000"/>
-                  </a:solidFill>
-                </a:rPr>
-                <a:t>출력</a:t>
+                <a:t>조회 정보 출력</a:t>
               </a:r>
               <a:endParaRPr lang="ko-KR" altLang="en-US" sz="1100" dirty="0">
                 <a:solidFill>

--- a/SDD 관련 자료/작업 결과물/프로그램 구조도(트랜스폼, 트랜젝션)/강의평과 결과 조회.pptx
+++ b/SDD 관련 자료/작업 결과물/프로그램 구조도(트랜스폼, 트랜젝션)/강의평과 결과 조회.pptx
@@ -508,7 +508,12 @@
             <p:ph type="sldImg"/>
           </p:nvPr>
         </p:nvSpPr>
-        <p:spPr/>
+        <p:spPr>
+          <a:xfrm>
+            <a:off x="685800" y="1143000"/>
+            <a:ext cx="5486400" cy="3086100"/>
+          </a:xfrm>
+        </p:spPr>
       </p:sp>
       <p:sp>
         <p:nvSpPr>
@@ -636,35 +641,35 @@
               <a:buNone/>
               <a:defRPr sz="2400"/>
             </a:lvl1pPr>
-            <a:lvl2pPr marL="457200" indent="0" algn="ctr">
+            <a:lvl2pPr marL="457206" indent="0" algn="ctr">
               <a:buNone/>
               <a:defRPr sz="2000"/>
             </a:lvl2pPr>
-            <a:lvl3pPr marL="914400" indent="0" algn="ctr">
+            <a:lvl3pPr marL="914411" indent="0" algn="ctr">
               <a:buNone/>
-              <a:defRPr sz="1800"/>
+              <a:defRPr sz="1801"/>
             </a:lvl3pPr>
-            <a:lvl4pPr marL="1371600" indent="0" algn="ctr">
+            <a:lvl4pPr marL="1371617" indent="0" algn="ctr">
               <a:buNone/>
               <a:defRPr sz="1600"/>
             </a:lvl4pPr>
-            <a:lvl5pPr marL="1828800" indent="0" algn="ctr">
+            <a:lvl5pPr marL="1828823" indent="0" algn="ctr">
               <a:buNone/>
               <a:defRPr sz="1600"/>
             </a:lvl5pPr>
-            <a:lvl6pPr marL="2286000" indent="0" algn="ctr">
+            <a:lvl6pPr marL="2286029" indent="0" algn="ctr">
               <a:buNone/>
               <a:defRPr sz="1600"/>
             </a:lvl6pPr>
-            <a:lvl7pPr marL="2743200" indent="0" algn="ctr">
+            <a:lvl7pPr marL="2743234" indent="0" algn="ctr">
               <a:buNone/>
               <a:defRPr sz="1600"/>
             </a:lvl7pPr>
-            <a:lvl8pPr marL="3200400" indent="0" algn="ctr">
+            <a:lvl8pPr marL="3200440" indent="0" algn="ctr">
               <a:buNone/>
               <a:defRPr sz="1600"/>
             </a:lvl8pPr>
-            <a:lvl9pPr marL="3657600" indent="0" algn="ctr">
+            <a:lvl9pPr marL="3657646" indent="0" algn="ctr">
               <a:buNone/>
               <a:defRPr sz="1600"/>
             </a:lvl9pPr>
@@ -952,7 +957,7 @@
         </p:nvSpPr>
         <p:spPr>
           <a:xfrm>
-            <a:off x="8724900" y="365125"/>
+            <a:off x="8724899" y="365125"/>
             <a:ext cx="2628900" cy="5811838"/>
           </a:xfrm>
         </p:spPr>
@@ -979,7 +984,7 @@
         </p:nvSpPr>
         <p:spPr>
           <a:xfrm>
-            <a:off x="838200" y="365125"/>
+            <a:off x="838199" y="365125"/>
             <a:ext cx="7734300" cy="5811838"/>
           </a:xfrm>
         </p:spPr>
@@ -1298,7 +1303,7 @@
         </p:nvSpPr>
         <p:spPr>
           <a:xfrm>
-            <a:off x="831850" y="1709738"/>
+            <a:off x="831852" y="1709738"/>
             <a:ext cx="10515600" cy="2852737"/>
           </a:xfrm>
         </p:spPr>
@@ -1329,7 +1334,7 @@
         </p:nvSpPr>
         <p:spPr>
           <a:xfrm>
-            <a:off x="831850" y="4589463"/>
+            <a:off x="831852" y="4589464"/>
             <a:ext cx="10515600" cy="1500187"/>
           </a:xfrm>
         </p:spPr>
@@ -1346,7 +1351,7 @@
                 </a:solidFill>
               </a:defRPr>
             </a:lvl1pPr>
-            <a:lvl2pPr marL="457200" indent="0">
+            <a:lvl2pPr marL="457206" indent="0">
               <a:buNone/>
               <a:defRPr sz="2000">
                 <a:solidFill>
@@ -1356,9 +1361,9 @@
                 </a:solidFill>
               </a:defRPr>
             </a:lvl2pPr>
-            <a:lvl3pPr marL="914400" indent="0">
+            <a:lvl3pPr marL="914411" indent="0">
               <a:buNone/>
-              <a:defRPr sz="1800">
+              <a:defRPr sz="1801">
                 <a:solidFill>
                   <a:schemeClr val="tx1">
                     <a:tint val="75000"/>
@@ -1366,7 +1371,7 @@
                 </a:solidFill>
               </a:defRPr>
             </a:lvl3pPr>
-            <a:lvl4pPr marL="1371600" indent="0">
+            <a:lvl4pPr marL="1371617" indent="0">
               <a:buNone/>
               <a:defRPr sz="1600">
                 <a:solidFill>
@@ -1376,7 +1381,7 @@
                 </a:solidFill>
               </a:defRPr>
             </a:lvl4pPr>
-            <a:lvl5pPr marL="1828800" indent="0">
+            <a:lvl5pPr marL="1828823" indent="0">
               <a:buNone/>
               <a:defRPr sz="1600">
                 <a:solidFill>
@@ -1386,7 +1391,7 @@
                 </a:solidFill>
               </a:defRPr>
             </a:lvl5pPr>
-            <a:lvl6pPr marL="2286000" indent="0">
+            <a:lvl6pPr marL="2286029" indent="0">
               <a:buNone/>
               <a:defRPr sz="1600">
                 <a:solidFill>
@@ -1396,7 +1401,7 @@
                 </a:solidFill>
               </a:defRPr>
             </a:lvl6pPr>
-            <a:lvl7pPr marL="2743200" indent="0">
+            <a:lvl7pPr marL="2743234" indent="0">
               <a:buNone/>
               <a:defRPr sz="1600">
                 <a:solidFill>
@@ -1406,7 +1411,7 @@
                 </a:solidFill>
               </a:defRPr>
             </a:lvl7pPr>
-            <a:lvl8pPr marL="3200400" indent="0">
+            <a:lvl8pPr marL="3200440" indent="0">
               <a:buNone/>
               <a:defRPr sz="1600">
                 <a:solidFill>
@@ -1416,7 +1421,7 @@
                 </a:solidFill>
               </a:defRPr>
             </a:lvl8pPr>
-            <a:lvl9pPr marL="3657600" indent="0">
+            <a:lvl9pPr marL="3657646" indent="0">
               <a:buNone/>
               <a:defRPr sz="1600">
                 <a:solidFill>
@@ -1565,7 +1570,7 @@
         </p:nvSpPr>
         <p:spPr>
           <a:xfrm>
-            <a:off x="838200" y="1825625"/>
+            <a:off x="838201" y="1825625"/>
             <a:ext cx="5181600" cy="4351338"/>
           </a:xfrm>
         </p:spPr>
@@ -1621,7 +1626,7 @@
         </p:nvSpPr>
         <p:spPr>
           <a:xfrm>
-            <a:off x="6172200" y="1825625"/>
+            <a:off x="6172201" y="1825625"/>
             <a:ext cx="5181600" cy="4351338"/>
           </a:xfrm>
         </p:spPr>
@@ -1772,7 +1777,7 @@
         </p:nvSpPr>
         <p:spPr>
           <a:xfrm>
-            <a:off x="839788" y="365125"/>
+            <a:off x="839789" y="365125"/>
             <a:ext cx="10515600" cy="1325563"/>
           </a:xfrm>
         </p:spPr>
@@ -1799,7 +1804,7 @@
         </p:nvSpPr>
         <p:spPr>
           <a:xfrm>
-            <a:off x="839788" y="1681163"/>
+            <a:off x="839789" y="1681163"/>
             <a:ext cx="5157787" cy="823912"/>
           </a:xfrm>
         </p:spPr>
@@ -1810,35 +1815,35 @@
               <a:buNone/>
               <a:defRPr sz="2400" b="1"/>
             </a:lvl1pPr>
-            <a:lvl2pPr marL="457200" indent="0">
+            <a:lvl2pPr marL="457206" indent="0">
               <a:buNone/>
               <a:defRPr sz="2000" b="1"/>
             </a:lvl2pPr>
-            <a:lvl3pPr marL="914400" indent="0">
+            <a:lvl3pPr marL="914411" indent="0">
               <a:buNone/>
-              <a:defRPr sz="1800" b="1"/>
+              <a:defRPr sz="1801" b="1"/>
             </a:lvl3pPr>
-            <a:lvl4pPr marL="1371600" indent="0">
+            <a:lvl4pPr marL="1371617" indent="0">
               <a:buNone/>
               <a:defRPr sz="1600" b="1"/>
             </a:lvl4pPr>
-            <a:lvl5pPr marL="1828800" indent="0">
+            <a:lvl5pPr marL="1828823" indent="0">
               <a:buNone/>
               <a:defRPr sz="1600" b="1"/>
             </a:lvl5pPr>
-            <a:lvl6pPr marL="2286000" indent="0">
+            <a:lvl6pPr marL="2286029" indent="0">
               <a:buNone/>
               <a:defRPr sz="1600" b="1"/>
             </a:lvl6pPr>
-            <a:lvl7pPr marL="2743200" indent="0">
+            <a:lvl7pPr marL="2743234" indent="0">
               <a:buNone/>
               <a:defRPr sz="1600" b="1"/>
             </a:lvl7pPr>
-            <a:lvl8pPr marL="3200400" indent="0">
+            <a:lvl8pPr marL="3200440" indent="0">
               <a:buNone/>
               <a:defRPr sz="1600" b="1"/>
             </a:lvl8pPr>
-            <a:lvl9pPr marL="3657600" indent="0">
+            <a:lvl9pPr marL="3657646" indent="0">
               <a:buNone/>
               <a:defRPr sz="1600" b="1"/>
             </a:lvl9pPr>
@@ -1864,7 +1869,7 @@
         </p:nvSpPr>
         <p:spPr>
           <a:xfrm>
-            <a:off x="839788" y="2505075"/>
+            <a:off x="839789" y="2505076"/>
             <a:ext cx="5157787" cy="3684588"/>
           </a:xfrm>
         </p:spPr>
@@ -1920,7 +1925,7 @@
         </p:nvSpPr>
         <p:spPr>
           <a:xfrm>
-            <a:off x="6172200" y="1681163"/>
+            <a:off x="6172202" y="1681163"/>
             <a:ext cx="5183188" cy="823912"/>
           </a:xfrm>
         </p:spPr>
@@ -1931,35 +1936,35 @@
               <a:buNone/>
               <a:defRPr sz="2400" b="1"/>
             </a:lvl1pPr>
-            <a:lvl2pPr marL="457200" indent="0">
+            <a:lvl2pPr marL="457206" indent="0">
               <a:buNone/>
               <a:defRPr sz="2000" b="1"/>
             </a:lvl2pPr>
-            <a:lvl3pPr marL="914400" indent="0">
+            <a:lvl3pPr marL="914411" indent="0">
               <a:buNone/>
-              <a:defRPr sz="1800" b="1"/>
+              <a:defRPr sz="1801" b="1"/>
             </a:lvl3pPr>
-            <a:lvl4pPr marL="1371600" indent="0">
+            <a:lvl4pPr marL="1371617" indent="0">
               <a:buNone/>
               <a:defRPr sz="1600" b="1"/>
             </a:lvl4pPr>
-            <a:lvl5pPr marL="1828800" indent="0">
+            <a:lvl5pPr marL="1828823" indent="0">
               <a:buNone/>
               <a:defRPr sz="1600" b="1"/>
             </a:lvl5pPr>
-            <a:lvl6pPr marL="2286000" indent="0">
+            <a:lvl6pPr marL="2286029" indent="0">
               <a:buNone/>
               <a:defRPr sz="1600" b="1"/>
             </a:lvl6pPr>
-            <a:lvl7pPr marL="2743200" indent="0">
+            <a:lvl7pPr marL="2743234" indent="0">
               <a:buNone/>
               <a:defRPr sz="1600" b="1"/>
             </a:lvl7pPr>
-            <a:lvl8pPr marL="3200400" indent="0">
+            <a:lvl8pPr marL="3200440" indent="0">
               <a:buNone/>
               <a:defRPr sz="1600" b="1"/>
             </a:lvl8pPr>
-            <a:lvl9pPr marL="3657600" indent="0">
+            <a:lvl9pPr marL="3657646" indent="0">
               <a:buNone/>
               <a:defRPr sz="1600" b="1"/>
             </a:lvl9pPr>
@@ -1985,7 +1990,7 @@
         </p:nvSpPr>
         <p:spPr>
           <a:xfrm>
-            <a:off x="6172200" y="2505075"/>
+            <a:off x="6172202" y="2505076"/>
             <a:ext cx="5183188" cy="3684588"/>
           </a:xfrm>
         </p:spPr>
@@ -2348,8 +2353,8 @@
         </p:nvSpPr>
         <p:spPr>
           <a:xfrm>
-            <a:off x="839788" y="457200"/>
-            <a:ext cx="3932237" cy="1600200"/>
+            <a:off x="839790" y="457200"/>
+            <a:ext cx="3932236" cy="1600200"/>
           </a:xfrm>
         </p:spPr>
         <p:txBody>
@@ -2380,7 +2385,7 @@
         <p:spPr>
           <a:xfrm>
             <a:off x="5183188" y="987425"/>
-            <a:ext cx="6172200" cy="4873625"/>
+            <a:ext cx="6172201" cy="4873625"/>
           </a:xfrm>
         </p:spPr>
         <p:txBody>
@@ -2463,8 +2468,8 @@
         </p:nvSpPr>
         <p:spPr>
           <a:xfrm>
-            <a:off x="839788" y="2057400"/>
-            <a:ext cx="3932237" cy="3811588"/>
+            <a:off x="839790" y="2057400"/>
+            <a:ext cx="3932236" cy="3811588"/>
           </a:xfrm>
         </p:spPr>
         <p:txBody>
@@ -2474,37 +2479,37 @@
               <a:buNone/>
               <a:defRPr sz="1600"/>
             </a:lvl1pPr>
-            <a:lvl2pPr marL="457200" indent="0">
+            <a:lvl2pPr marL="457206" indent="0">
               <a:buNone/>
-              <a:defRPr sz="1400"/>
+              <a:defRPr sz="1401"/>
             </a:lvl2pPr>
-            <a:lvl3pPr marL="914400" indent="0">
+            <a:lvl3pPr marL="914411" indent="0">
               <a:buNone/>
               <a:defRPr sz="1200"/>
             </a:lvl3pPr>
-            <a:lvl4pPr marL="1371600" indent="0">
+            <a:lvl4pPr marL="1371617" indent="0">
               <a:buNone/>
-              <a:defRPr sz="1000"/>
+              <a:defRPr sz="1001"/>
             </a:lvl4pPr>
-            <a:lvl5pPr marL="1828800" indent="0">
+            <a:lvl5pPr marL="1828823" indent="0">
               <a:buNone/>
-              <a:defRPr sz="1000"/>
+              <a:defRPr sz="1001"/>
             </a:lvl5pPr>
-            <a:lvl6pPr marL="2286000" indent="0">
+            <a:lvl6pPr marL="2286029" indent="0">
               <a:buNone/>
-              <a:defRPr sz="1000"/>
+              <a:defRPr sz="1001"/>
             </a:lvl6pPr>
-            <a:lvl7pPr marL="2743200" indent="0">
+            <a:lvl7pPr marL="2743234" indent="0">
               <a:buNone/>
-              <a:defRPr sz="1000"/>
+              <a:defRPr sz="1001"/>
             </a:lvl7pPr>
-            <a:lvl8pPr marL="3200400" indent="0">
+            <a:lvl8pPr marL="3200440" indent="0">
               <a:buNone/>
-              <a:defRPr sz="1000"/>
+              <a:defRPr sz="1001"/>
             </a:lvl8pPr>
-            <a:lvl9pPr marL="3657600" indent="0">
+            <a:lvl9pPr marL="3657646" indent="0">
               <a:buNone/>
-              <a:defRPr sz="1000"/>
+              <a:defRPr sz="1001"/>
             </a:lvl9pPr>
           </a:lstStyle>
           <a:p>
@@ -2623,8 +2628,8 @@
         </p:nvSpPr>
         <p:spPr>
           <a:xfrm>
-            <a:off x="839788" y="457200"/>
-            <a:ext cx="3932237" cy="1600200"/>
+            <a:off x="839790" y="457200"/>
+            <a:ext cx="3932236" cy="1600200"/>
           </a:xfrm>
         </p:spPr>
         <p:txBody>
@@ -2655,7 +2660,7 @@
         <p:spPr>
           <a:xfrm>
             <a:off x="5183188" y="987425"/>
-            <a:ext cx="6172200" cy="4873625"/>
+            <a:ext cx="6172201" cy="4873625"/>
           </a:xfrm>
         </p:spPr>
         <p:txBody>
@@ -2665,35 +2670,35 @@
               <a:buNone/>
               <a:defRPr sz="3200"/>
             </a:lvl1pPr>
-            <a:lvl2pPr marL="457200" indent="0">
+            <a:lvl2pPr marL="457206" indent="0">
               <a:buNone/>
               <a:defRPr sz="2800"/>
             </a:lvl2pPr>
-            <a:lvl3pPr marL="914400" indent="0">
+            <a:lvl3pPr marL="914411" indent="0">
               <a:buNone/>
               <a:defRPr sz="2400"/>
             </a:lvl3pPr>
-            <a:lvl4pPr marL="1371600" indent="0">
+            <a:lvl4pPr marL="1371617" indent="0">
               <a:buNone/>
               <a:defRPr sz="2000"/>
             </a:lvl4pPr>
-            <a:lvl5pPr marL="1828800" indent="0">
+            <a:lvl5pPr marL="1828823" indent="0">
               <a:buNone/>
               <a:defRPr sz="2000"/>
             </a:lvl5pPr>
-            <a:lvl6pPr marL="2286000" indent="0">
+            <a:lvl6pPr marL="2286029" indent="0">
               <a:buNone/>
               <a:defRPr sz="2000"/>
             </a:lvl6pPr>
-            <a:lvl7pPr marL="2743200" indent="0">
+            <a:lvl7pPr marL="2743234" indent="0">
               <a:buNone/>
               <a:defRPr sz="2000"/>
             </a:lvl7pPr>
-            <a:lvl8pPr marL="3200400" indent="0">
+            <a:lvl8pPr marL="3200440" indent="0">
               <a:buNone/>
               <a:defRPr sz="2000"/>
             </a:lvl8pPr>
-            <a:lvl9pPr marL="3657600" indent="0">
+            <a:lvl9pPr marL="3657646" indent="0">
               <a:buNone/>
               <a:defRPr sz="2000"/>
             </a:lvl9pPr>
@@ -2715,8 +2720,8 @@
         </p:nvSpPr>
         <p:spPr>
           <a:xfrm>
-            <a:off x="839788" y="2057400"/>
-            <a:ext cx="3932237" cy="3811588"/>
+            <a:off x="839790" y="2057400"/>
+            <a:ext cx="3932236" cy="3811588"/>
           </a:xfrm>
         </p:spPr>
         <p:txBody>
@@ -2726,37 +2731,37 @@
               <a:buNone/>
               <a:defRPr sz="1600"/>
             </a:lvl1pPr>
-            <a:lvl2pPr marL="457200" indent="0">
+            <a:lvl2pPr marL="457206" indent="0">
               <a:buNone/>
-              <a:defRPr sz="1400"/>
+              <a:defRPr sz="1401"/>
             </a:lvl2pPr>
-            <a:lvl3pPr marL="914400" indent="0">
+            <a:lvl3pPr marL="914411" indent="0">
               <a:buNone/>
               <a:defRPr sz="1200"/>
             </a:lvl3pPr>
-            <a:lvl4pPr marL="1371600" indent="0">
+            <a:lvl4pPr marL="1371617" indent="0">
               <a:buNone/>
-              <a:defRPr sz="1000"/>
+              <a:defRPr sz="1001"/>
             </a:lvl4pPr>
-            <a:lvl5pPr marL="1828800" indent="0">
+            <a:lvl5pPr marL="1828823" indent="0">
               <a:buNone/>
-              <a:defRPr sz="1000"/>
+              <a:defRPr sz="1001"/>
             </a:lvl5pPr>
-            <a:lvl6pPr marL="2286000" indent="0">
+            <a:lvl6pPr marL="2286029" indent="0">
               <a:buNone/>
-              <a:defRPr sz="1000"/>
+              <a:defRPr sz="1001"/>
             </a:lvl6pPr>
-            <a:lvl7pPr marL="2743200" indent="0">
+            <a:lvl7pPr marL="2743234" indent="0">
               <a:buNone/>
-              <a:defRPr sz="1000"/>
+              <a:defRPr sz="1001"/>
             </a:lvl7pPr>
-            <a:lvl8pPr marL="3200400" indent="0">
+            <a:lvl8pPr marL="3200440" indent="0">
               <a:buNone/>
-              <a:defRPr sz="1000"/>
+              <a:defRPr sz="1001"/>
             </a:lvl8pPr>
-            <a:lvl9pPr marL="3657600" indent="0">
+            <a:lvl9pPr marL="3657646" indent="0">
               <a:buNone/>
-              <a:defRPr sz="1000"/>
+              <a:defRPr sz="1001"/>
             </a:lvl9pPr>
           </a:lstStyle>
           <a:p>
@@ -2880,7 +2885,7 @@
         </p:nvSpPr>
         <p:spPr>
           <a:xfrm>
-            <a:off x="838200" y="365125"/>
+            <a:off x="838202" y="365125"/>
             <a:ext cx="10515600" cy="1325563"/>
           </a:xfrm>
           <a:prstGeom prst="rect">
@@ -2912,7 +2917,7 @@
         </p:nvSpPr>
         <p:spPr>
           <a:xfrm>
-            <a:off x="838200" y="1825625"/>
+            <a:off x="838202" y="1825625"/>
             <a:ext cx="10515600" cy="4351338"/>
           </a:xfrm>
           <a:prstGeom prst="rect">
@@ -2973,7 +2978,7 @@
         </p:nvSpPr>
         <p:spPr>
           <a:xfrm>
-            <a:off x="838200" y="6356350"/>
+            <a:off x="838201" y="6356351"/>
             <a:ext cx="2743200" cy="365125"/>
           </a:xfrm>
           <a:prstGeom prst="rect">
@@ -3014,7 +3019,7 @@
         </p:nvSpPr>
         <p:spPr>
           <a:xfrm>
-            <a:off x="4038600" y="6356350"/>
+            <a:off x="4038602" y="6356351"/>
             <a:ext cx="4114800" cy="365125"/>
           </a:xfrm>
           <a:prstGeom prst="rect">
@@ -3051,7 +3056,7 @@
         </p:nvSpPr>
         <p:spPr>
           <a:xfrm>
-            <a:off x="8610600" y="6356350"/>
+            <a:off x="8610601" y="6356351"/>
             <a:ext cx="2743200" cy="365125"/>
           </a:xfrm>
           <a:prstGeom prst="rect">
@@ -3103,7 +3108,7 @@
   </p:sldLayoutIdLst>
   <p:txStyles>
     <p:titleStyle>
-      <a:lvl1pPr algn="l" defTabSz="914400" rtl="0" eaLnBrk="1" latinLnBrk="1" hangingPunct="1">
+      <a:lvl1pPr algn="l" defTabSz="914411" rtl="0" eaLnBrk="1" latinLnBrk="1" hangingPunct="1">
         <a:lnSpc>
           <a:spcPct val="90000"/>
         </a:lnSpc>
@@ -3122,12 +3127,12 @@
       </a:lvl1pPr>
     </p:titleStyle>
     <p:bodyStyle>
-      <a:lvl1pPr marL="228600" indent="-228600" algn="l" defTabSz="914400" rtl="0" eaLnBrk="1" latinLnBrk="1" hangingPunct="1">
+      <a:lvl1pPr marL="228604" indent="-228604" algn="l" defTabSz="914411" rtl="0" eaLnBrk="1" latinLnBrk="1" hangingPunct="1">
         <a:lnSpc>
           <a:spcPct val="90000"/>
         </a:lnSpc>
         <a:spcBef>
-          <a:spcPts val="1000"/>
+          <a:spcPts val="1001"/>
         </a:spcBef>
         <a:buFont typeface="Arial" panose="020B0604020202020204" pitchFamily="34" charset="0"/>
         <a:buChar char="•"/>
@@ -3140,7 +3145,7 @@
           <a:cs typeface="+mn-cs"/>
         </a:defRPr>
       </a:lvl1pPr>
-      <a:lvl2pPr marL="685800" indent="-228600" algn="l" defTabSz="914400" rtl="0" eaLnBrk="1" latinLnBrk="1" hangingPunct="1">
+      <a:lvl2pPr marL="685809" indent="-228604" algn="l" defTabSz="914411" rtl="0" eaLnBrk="1" latinLnBrk="1" hangingPunct="1">
         <a:lnSpc>
           <a:spcPct val="90000"/>
         </a:lnSpc>
@@ -3158,7 +3163,7 @@
           <a:cs typeface="+mn-cs"/>
         </a:defRPr>
       </a:lvl2pPr>
-      <a:lvl3pPr marL="1143000" indent="-228600" algn="l" defTabSz="914400" rtl="0" eaLnBrk="1" latinLnBrk="1" hangingPunct="1">
+      <a:lvl3pPr marL="1143015" indent="-228604" algn="l" defTabSz="914411" rtl="0" eaLnBrk="1" latinLnBrk="1" hangingPunct="1">
         <a:lnSpc>
           <a:spcPct val="90000"/>
         </a:lnSpc>
@@ -3176,7 +3181,7 @@
           <a:cs typeface="+mn-cs"/>
         </a:defRPr>
       </a:lvl3pPr>
-      <a:lvl4pPr marL="1600200" indent="-228600" algn="l" defTabSz="914400" rtl="0" eaLnBrk="1" latinLnBrk="1" hangingPunct="1">
+      <a:lvl4pPr marL="1600221" indent="-228604" algn="l" defTabSz="914411" rtl="0" eaLnBrk="1" latinLnBrk="1" hangingPunct="1">
         <a:lnSpc>
           <a:spcPct val="90000"/>
         </a:lnSpc>
@@ -3185,7 +3190,7 @@
         </a:spcBef>
         <a:buFont typeface="Arial" panose="020B0604020202020204" pitchFamily="34" charset="0"/>
         <a:buChar char="•"/>
-        <a:defRPr sz="1800" kern="1200">
+        <a:defRPr sz="1801" kern="1200">
           <a:solidFill>
             <a:schemeClr val="tx1"/>
           </a:solidFill>
@@ -3194,7 +3199,7 @@
           <a:cs typeface="+mn-cs"/>
         </a:defRPr>
       </a:lvl4pPr>
-      <a:lvl5pPr marL="2057400" indent="-228600" algn="l" defTabSz="914400" rtl="0" eaLnBrk="1" latinLnBrk="1" hangingPunct="1">
+      <a:lvl5pPr marL="2057427" indent="-228604" algn="l" defTabSz="914411" rtl="0" eaLnBrk="1" latinLnBrk="1" hangingPunct="1">
         <a:lnSpc>
           <a:spcPct val="90000"/>
         </a:lnSpc>
@@ -3203,7 +3208,7 @@
         </a:spcBef>
         <a:buFont typeface="Arial" panose="020B0604020202020204" pitchFamily="34" charset="0"/>
         <a:buChar char="•"/>
-        <a:defRPr sz="1800" kern="1200">
+        <a:defRPr sz="1801" kern="1200">
           <a:solidFill>
             <a:schemeClr val="tx1"/>
           </a:solidFill>
@@ -3212,7 +3217,7 @@
           <a:cs typeface="+mn-cs"/>
         </a:defRPr>
       </a:lvl5pPr>
-      <a:lvl6pPr marL="2514600" indent="-228600" algn="l" defTabSz="914400" rtl="0" eaLnBrk="1" latinLnBrk="1" hangingPunct="1">
+      <a:lvl6pPr marL="2514632" indent="-228604" algn="l" defTabSz="914411" rtl="0" eaLnBrk="1" latinLnBrk="1" hangingPunct="1">
         <a:lnSpc>
           <a:spcPct val="90000"/>
         </a:lnSpc>
@@ -3221,7 +3226,7 @@
         </a:spcBef>
         <a:buFont typeface="Arial" panose="020B0604020202020204" pitchFamily="34" charset="0"/>
         <a:buChar char="•"/>
-        <a:defRPr sz="1800" kern="1200">
+        <a:defRPr sz="1801" kern="1200">
           <a:solidFill>
             <a:schemeClr val="tx1"/>
           </a:solidFill>
@@ -3230,7 +3235,7 @@
           <a:cs typeface="+mn-cs"/>
         </a:defRPr>
       </a:lvl6pPr>
-      <a:lvl7pPr marL="2971800" indent="-228600" algn="l" defTabSz="914400" rtl="0" eaLnBrk="1" latinLnBrk="1" hangingPunct="1">
+      <a:lvl7pPr marL="2971838" indent="-228604" algn="l" defTabSz="914411" rtl="0" eaLnBrk="1" latinLnBrk="1" hangingPunct="1">
         <a:lnSpc>
           <a:spcPct val="90000"/>
         </a:lnSpc>
@@ -3239,7 +3244,7 @@
         </a:spcBef>
         <a:buFont typeface="Arial" panose="020B0604020202020204" pitchFamily="34" charset="0"/>
         <a:buChar char="•"/>
-        <a:defRPr sz="1800" kern="1200">
+        <a:defRPr sz="1801" kern="1200">
           <a:solidFill>
             <a:schemeClr val="tx1"/>
           </a:solidFill>
@@ -3248,7 +3253,7 @@
           <a:cs typeface="+mn-cs"/>
         </a:defRPr>
       </a:lvl7pPr>
-      <a:lvl8pPr marL="3429000" indent="-228600" algn="l" defTabSz="914400" rtl="0" eaLnBrk="1" latinLnBrk="1" hangingPunct="1">
+      <a:lvl8pPr marL="3429044" indent="-228604" algn="l" defTabSz="914411" rtl="0" eaLnBrk="1" latinLnBrk="1" hangingPunct="1">
         <a:lnSpc>
           <a:spcPct val="90000"/>
         </a:lnSpc>
@@ -3257,7 +3262,7 @@
         </a:spcBef>
         <a:buFont typeface="Arial" panose="020B0604020202020204" pitchFamily="34" charset="0"/>
         <a:buChar char="•"/>
-        <a:defRPr sz="1800" kern="1200">
+        <a:defRPr sz="1801" kern="1200">
           <a:solidFill>
             <a:schemeClr val="tx1"/>
           </a:solidFill>
@@ -3266,7 +3271,7 @@
           <a:cs typeface="+mn-cs"/>
         </a:defRPr>
       </a:lvl8pPr>
-      <a:lvl9pPr marL="3886200" indent="-228600" algn="l" defTabSz="914400" rtl="0" eaLnBrk="1" latinLnBrk="1" hangingPunct="1">
+      <a:lvl9pPr marL="3886249" indent="-228604" algn="l" defTabSz="914411" rtl="0" eaLnBrk="1" latinLnBrk="1" hangingPunct="1">
         <a:lnSpc>
           <a:spcPct val="90000"/>
         </a:lnSpc>
@@ -3275,7 +3280,7 @@
         </a:spcBef>
         <a:buFont typeface="Arial" panose="020B0604020202020204" pitchFamily="34" charset="0"/>
         <a:buChar char="•"/>
-        <a:defRPr sz="1800" kern="1200">
+        <a:defRPr sz="1801" kern="1200">
           <a:solidFill>
             <a:schemeClr val="tx1"/>
           </a:solidFill>
@@ -3289,8 +3294,8 @@
       <a:defPPr>
         <a:defRPr lang="ko-KR"/>
       </a:defPPr>
-      <a:lvl1pPr marL="0" algn="l" defTabSz="914400" rtl="0" eaLnBrk="1" latinLnBrk="1" hangingPunct="1">
-        <a:defRPr sz="1800" kern="1200">
+      <a:lvl1pPr marL="0" algn="l" defTabSz="914411" rtl="0" eaLnBrk="1" latinLnBrk="1" hangingPunct="1">
+        <a:defRPr sz="1801" kern="1200">
           <a:solidFill>
             <a:schemeClr val="tx1"/>
           </a:solidFill>
@@ -3299,8 +3304,8 @@
           <a:cs typeface="+mn-cs"/>
         </a:defRPr>
       </a:lvl1pPr>
-      <a:lvl2pPr marL="457200" algn="l" defTabSz="914400" rtl="0" eaLnBrk="1" latinLnBrk="1" hangingPunct="1">
-        <a:defRPr sz="1800" kern="1200">
+      <a:lvl2pPr marL="457206" algn="l" defTabSz="914411" rtl="0" eaLnBrk="1" latinLnBrk="1" hangingPunct="1">
+        <a:defRPr sz="1801" kern="1200">
           <a:solidFill>
             <a:schemeClr val="tx1"/>
           </a:solidFill>
@@ -3309,8 +3314,8 @@
           <a:cs typeface="+mn-cs"/>
         </a:defRPr>
       </a:lvl2pPr>
-      <a:lvl3pPr marL="914400" algn="l" defTabSz="914400" rtl="0" eaLnBrk="1" latinLnBrk="1" hangingPunct="1">
-        <a:defRPr sz="1800" kern="1200">
+      <a:lvl3pPr marL="914411" algn="l" defTabSz="914411" rtl="0" eaLnBrk="1" latinLnBrk="1" hangingPunct="1">
+        <a:defRPr sz="1801" kern="1200">
           <a:solidFill>
             <a:schemeClr val="tx1"/>
           </a:solidFill>
@@ -3319,8 +3324,8 @@
           <a:cs typeface="+mn-cs"/>
         </a:defRPr>
       </a:lvl3pPr>
-      <a:lvl4pPr marL="1371600" algn="l" defTabSz="914400" rtl="0" eaLnBrk="1" latinLnBrk="1" hangingPunct="1">
-        <a:defRPr sz="1800" kern="1200">
+      <a:lvl4pPr marL="1371617" algn="l" defTabSz="914411" rtl="0" eaLnBrk="1" latinLnBrk="1" hangingPunct="1">
+        <a:defRPr sz="1801" kern="1200">
           <a:solidFill>
             <a:schemeClr val="tx1"/>
           </a:solidFill>
@@ -3329,8 +3334,8 @@
           <a:cs typeface="+mn-cs"/>
         </a:defRPr>
       </a:lvl4pPr>
-      <a:lvl5pPr marL="1828800" algn="l" defTabSz="914400" rtl="0" eaLnBrk="1" latinLnBrk="1" hangingPunct="1">
-        <a:defRPr sz="1800" kern="1200">
+      <a:lvl5pPr marL="1828823" algn="l" defTabSz="914411" rtl="0" eaLnBrk="1" latinLnBrk="1" hangingPunct="1">
+        <a:defRPr sz="1801" kern="1200">
           <a:solidFill>
             <a:schemeClr val="tx1"/>
           </a:solidFill>
@@ -3339,8 +3344,8 @@
           <a:cs typeface="+mn-cs"/>
         </a:defRPr>
       </a:lvl5pPr>
-      <a:lvl6pPr marL="2286000" algn="l" defTabSz="914400" rtl="0" eaLnBrk="1" latinLnBrk="1" hangingPunct="1">
-        <a:defRPr sz="1800" kern="1200">
+      <a:lvl6pPr marL="2286029" algn="l" defTabSz="914411" rtl="0" eaLnBrk="1" latinLnBrk="1" hangingPunct="1">
+        <a:defRPr sz="1801" kern="1200">
           <a:solidFill>
             <a:schemeClr val="tx1"/>
           </a:solidFill>
@@ -3349,8 +3354,8 @@
           <a:cs typeface="+mn-cs"/>
         </a:defRPr>
       </a:lvl6pPr>
-      <a:lvl7pPr marL="2743200" algn="l" defTabSz="914400" rtl="0" eaLnBrk="1" latinLnBrk="1" hangingPunct="1">
-        <a:defRPr sz="1800" kern="1200">
+      <a:lvl7pPr marL="2743234" algn="l" defTabSz="914411" rtl="0" eaLnBrk="1" latinLnBrk="1" hangingPunct="1">
+        <a:defRPr sz="1801" kern="1200">
           <a:solidFill>
             <a:schemeClr val="tx1"/>
           </a:solidFill>
@@ -3359,8 +3364,8 @@
           <a:cs typeface="+mn-cs"/>
         </a:defRPr>
       </a:lvl7pPr>
-      <a:lvl8pPr marL="3200400" algn="l" defTabSz="914400" rtl="0" eaLnBrk="1" latinLnBrk="1" hangingPunct="1">
-        <a:defRPr sz="1800" kern="1200">
+      <a:lvl8pPr marL="3200440" algn="l" defTabSz="914411" rtl="0" eaLnBrk="1" latinLnBrk="1" hangingPunct="1">
+        <a:defRPr sz="1801" kern="1200">
           <a:solidFill>
             <a:schemeClr val="tx1"/>
           </a:solidFill>
@@ -3369,8 +3374,8 @@
           <a:cs typeface="+mn-cs"/>
         </a:defRPr>
       </a:lvl8pPr>
-      <a:lvl9pPr marL="3657600" algn="l" defTabSz="914400" rtl="0" eaLnBrk="1" latinLnBrk="1" hangingPunct="1">
-        <a:defRPr sz="1800" kern="1200">
+      <a:lvl9pPr marL="3657646" algn="l" defTabSz="914411" rtl="0" eaLnBrk="1" latinLnBrk="1" hangingPunct="1">
+        <a:defRPr sz="1801" kern="1200">
           <a:solidFill>
             <a:schemeClr val="tx1"/>
           </a:solidFill>
@@ -3409,8 +3414,8 @@
         </p:nvSpPr>
         <p:spPr>
           <a:xfrm>
-            <a:off x="5170299" y="4466898"/>
-            <a:ext cx="1556992" cy="726131"/>
+            <a:off x="5170299" y="4466899"/>
+            <a:ext cx="1556992" cy="726132"/>
           </a:xfrm>
           <a:prstGeom prst="rect">
             <a:avLst/>
@@ -3446,18 +3451,13 @@
           <a:p>
             <a:pPr algn="ctr"/>
             <a:r>
-              <a:rPr lang="ko-KR" altLang="en-US" sz="1100" dirty="0" smtClean="0">
+              <a:rPr lang="ko-KR" altLang="en-US" sz="1100" dirty="0">
                 <a:solidFill>
                   <a:sysClr val="windowText" lastClr="000000"/>
                 </a:solidFill>
               </a:rPr>
               <a:t>강의평가 결과 변환</a:t>
             </a:r>
-            <a:endParaRPr lang="ko-KR" altLang="en-US" sz="1100" dirty="0">
-              <a:solidFill>
-                <a:sysClr val="windowText" lastClr="000000"/>
-              </a:solidFill>
-            </a:endParaRPr>
           </a:p>
         </p:txBody>
       </p:sp>
@@ -3470,7 +3470,7 @@
         <p:spPr>
           <a:xfrm>
             <a:off x="5170299" y="208266"/>
-            <a:ext cx="1556992" cy="726131"/>
+            <a:ext cx="1556992" cy="726132"/>
           </a:xfrm>
           <a:prstGeom prst="rect">
             <a:avLst/>
@@ -3513,7 +3513,7 @@
               </a:rPr>
               <a:t>강의평가 결과 </a:t>
             </a:r>
-            <a:endParaRPr lang="en-US" altLang="ko-KR" sz="1100" dirty="0" smtClean="0">
+            <a:endParaRPr lang="en-US" altLang="ko-KR" sz="1100" dirty="0">
               <a:solidFill>
                 <a:sysClr val="windowText" lastClr="000000"/>
               </a:solidFill>
@@ -3522,18 +3522,13 @@
           <a:p>
             <a:pPr algn="ctr"/>
             <a:r>
-              <a:rPr lang="ko-KR" altLang="en-US" sz="1100" dirty="0" smtClean="0">
+              <a:rPr lang="ko-KR" altLang="en-US" sz="1100" dirty="0">
                 <a:solidFill>
                   <a:sysClr val="windowText" lastClr="000000"/>
                 </a:solidFill>
               </a:rPr>
               <a:t>조회 처리</a:t>
             </a:r>
-            <a:endParaRPr lang="ko-KR" altLang="en-US" sz="1100" dirty="0">
-              <a:solidFill>
-                <a:sysClr val="windowText" lastClr="000000"/>
-              </a:solidFill>
-            </a:endParaRPr>
           </a:p>
         </p:txBody>
       </p:sp>
@@ -3545,8 +3540,8 @@
         </p:nvSpPr>
         <p:spPr>
           <a:xfrm>
-            <a:off x="2995121" y="4466897"/>
-            <a:ext cx="1556992" cy="726131"/>
+            <a:off x="2995122" y="4466898"/>
+            <a:ext cx="1556992" cy="726132"/>
           </a:xfrm>
           <a:prstGeom prst="rect">
             <a:avLst/>
@@ -3582,14 +3577,14 @@
           <a:p>
             <a:pPr algn="ctr"/>
             <a:r>
-              <a:rPr lang="ko-KR" altLang="en-US" sz="1100" dirty="0" smtClean="0">
+              <a:rPr lang="ko-KR" altLang="en-US" sz="1100" dirty="0">
                 <a:solidFill>
                   <a:schemeClr val="tx1"/>
                 </a:solidFill>
               </a:rPr>
               <a:t>강의평가 결과 입력</a:t>
             </a:r>
-            <a:endParaRPr lang="en-US" altLang="ko-KR" sz="1100" dirty="0" smtClean="0">
+            <a:endParaRPr lang="en-US" altLang="ko-KR" sz="1100" dirty="0">
               <a:solidFill>
                 <a:schemeClr val="tx1"/>
               </a:solidFill>
@@ -3608,8 +3603,8 @@
         </p:nvCxnSpPr>
         <p:spPr>
           <a:xfrm flipH="1">
-            <a:off x="3773617" y="934397"/>
-            <a:ext cx="2175178" cy="3532500"/>
+            <a:off x="3773616" y="934398"/>
+            <a:ext cx="2175179" cy="3532500"/>
           </a:xfrm>
           <a:prstGeom prst="straightConnector1">
             <a:avLst/>
@@ -3645,7 +3640,7 @@
         </p:nvCxnSpPr>
         <p:spPr>
           <a:xfrm>
-            <a:off x="5948795" y="934397"/>
+            <a:off x="5948795" y="934398"/>
             <a:ext cx="0" cy="3532501"/>
           </a:xfrm>
           <a:prstGeom prst="straightConnector1">
@@ -3679,8 +3674,8 @@
         </p:nvSpPr>
         <p:spPr>
           <a:xfrm>
-            <a:off x="7305319" y="4466897"/>
-            <a:ext cx="1556992" cy="726131"/>
+            <a:off x="7305319" y="4466898"/>
+            <a:ext cx="1556992" cy="726132"/>
           </a:xfrm>
           <a:prstGeom prst="rect">
             <a:avLst/>
@@ -3716,18 +3711,13 @@
           <a:p>
             <a:pPr algn="ctr"/>
             <a:r>
-              <a:rPr lang="ko-KR" altLang="en-US" sz="1100" dirty="0" smtClean="0">
+              <a:rPr lang="ko-KR" altLang="en-US" sz="1100" dirty="0">
                 <a:solidFill>
                   <a:sysClr val="windowText" lastClr="000000"/>
                 </a:solidFill>
               </a:rPr>
               <a:t>강의평가 결과 출력</a:t>
             </a:r>
-            <a:endParaRPr lang="ko-KR" altLang="en-US" sz="1100" dirty="0">
-              <a:solidFill>
-                <a:sysClr val="windowText" lastClr="000000"/>
-              </a:solidFill>
-            </a:endParaRPr>
           </a:p>
         </p:txBody>
       </p:sp>
@@ -3742,7 +3732,7 @@
         </p:nvCxnSpPr>
         <p:spPr>
           <a:xfrm>
-            <a:off x="5948795" y="934397"/>
+            <a:off x="5948796" y="934398"/>
             <a:ext cx="2135020" cy="3532500"/>
           </a:xfrm>
           <a:prstGeom prst="straightConnector1">
@@ -3812,14 +3802,14 @@
           <a:p>
             <a:pPr algn="ctr"/>
             <a:r>
-              <a:rPr lang="ko-KR" altLang="en-US" sz="1100" dirty="0" smtClean="0">
+              <a:rPr lang="ko-KR" altLang="en-US" sz="1100" dirty="0">
                 <a:solidFill>
                   <a:sysClr val="windowText" lastClr="000000"/>
                 </a:solidFill>
               </a:rPr>
               <a:t>강의평가 결과 </a:t>
             </a:r>
-            <a:endParaRPr lang="en-US" altLang="ko-KR" sz="1100" dirty="0" smtClean="0">
+            <a:endParaRPr lang="en-US" altLang="ko-KR" sz="1100" dirty="0">
               <a:solidFill>
                 <a:sysClr val="windowText" lastClr="000000"/>
               </a:solidFill>
@@ -3828,18 +3818,13 @@
           <a:p>
             <a:pPr algn="ctr"/>
             <a:r>
-              <a:rPr lang="ko-KR" altLang="en-US" sz="1100" dirty="0" smtClean="0">
+              <a:rPr lang="ko-KR" altLang="en-US" sz="1100" dirty="0">
                 <a:solidFill>
                   <a:sysClr val="windowText" lastClr="000000"/>
                 </a:solidFill>
               </a:rPr>
               <a:t>자료 조회</a:t>
             </a:r>
-            <a:endParaRPr lang="ko-KR" altLang="en-US" sz="1100" dirty="0">
-              <a:solidFill>
-                <a:sysClr val="windowText" lastClr="000000"/>
-              </a:solidFill>
-            </a:endParaRPr>
           </a:p>
         </p:txBody>
       </p:sp>
@@ -3888,14 +3873,14 @@
           <a:p>
             <a:pPr algn="ctr"/>
             <a:r>
-              <a:rPr lang="ko-KR" altLang="en-US" sz="1100" dirty="0" smtClean="0">
+              <a:rPr lang="ko-KR" altLang="en-US" sz="1100" dirty="0">
                 <a:solidFill>
                   <a:schemeClr val="tx1"/>
                 </a:solidFill>
               </a:rPr>
               <a:t>강의평가 결과 </a:t>
             </a:r>
-            <a:endParaRPr lang="en-US" altLang="ko-KR" sz="1100" dirty="0" smtClean="0">
+            <a:endParaRPr lang="en-US" altLang="ko-KR" sz="1100" dirty="0">
               <a:solidFill>
                 <a:schemeClr val="tx1"/>
               </a:solidFill>
@@ -3904,18 +3889,13 @@
           <a:p>
             <a:pPr algn="ctr"/>
             <a:r>
-              <a:rPr lang="ko-KR" altLang="en-US" sz="1100" dirty="0" smtClean="0">
+              <a:rPr lang="ko-KR" altLang="en-US" sz="1100" dirty="0">
                 <a:solidFill>
                   <a:schemeClr val="tx1"/>
                 </a:solidFill>
               </a:rPr>
               <a:t>조회 권한 확인</a:t>
             </a:r>
-            <a:endParaRPr lang="ko-KR" altLang="en-US" sz="1100" dirty="0">
-              <a:solidFill>
-                <a:schemeClr val="tx1"/>
-              </a:solidFill>
-            </a:endParaRPr>
           </a:p>
         </p:txBody>
       </p:sp>
@@ -3930,8 +3910,8 @@
         </p:nvCxnSpPr>
         <p:spPr>
           <a:xfrm flipH="1">
-            <a:off x="4241596" y="5193029"/>
-            <a:ext cx="1707199" cy="2825004"/>
+            <a:off x="4241597" y="5193030"/>
+            <a:ext cx="1707198" cy="2825004"/>
           </a:xfrm>
           <a:prstGeom prst="straightConnector1">
             <a:avLst/>
@@ -3967,8 +3947,8 @@
         </p:nvCxnSpPr>
         <p:spPr>
           <a:xfrm>
-            <a:off x="5948795" y="5193029"/>
-            <a:ext cx="755603" cy="2817719"/>
+            <a:off x="5948795" y="5193031"/>
+            <a:ext cx="755604" cy="2817719"/>
           </a:xfrm>
           <a:prstGeom prst="straightConnector1">
             <a:avLst/>
@@ -4038,7 +4018,7 @@
           <a:p>
             <a:pPr algn="ctr"/>
             <a:r>
-              <a:rPr lang="ko-KR" altLang="en-US" sz="1100" dirty="0" smtClean="0">
+              <a:rPr lang="ko-KR" altLang="en-US" sz="1100" dirty="0">
                 <a:solidFill>
                   <a:sysClr val="windowText" lastClr="000000"/>
                 </a:solidFill>
@@ -4054,18 +4034,13 @@
           <a:p>
             <a:pPr algn="ctr"/>
             <a:r>
-              <a:rPr lang="ko-KR" altLang="en-US" sz="1100" dirty="0" smtClean="0">
+              <a:rPr lang="ko-KR" altLang="en-US" sz="1100" dirty="0">
                 <a:solidFill>
                   <a:sysClr val="windowText" lastClr="000000"/>
                 </a:solidFill>
               </a:rPr>
               <a:t>조회 정보 출력</a:t>
             </a:r>
-            <a:endParaRPr lang="ko-KR" altLang="en-US" sz="1100" dirty="0">
-              <a:solidFill>
-                <a:sysClr val="windowText" lastClr="000000"/>
-              </a:solidFill>
-            </a:endParaRPr>
           </a:p>
         </p:txBody>
       </p:sp>
@@ -4114,14 +4089,14 @@
           <a:p>
             <a:pPr algn="ctr"/>
             <a:r>
-              <a:rPr lang="ko-KR" altLang="en-US" sz="1100" dirty="0" smtClean="0">
+              <a:rPr lang="ko-KR" altLang="en-US" sz="1100" dirty="0">
                 <a:solidFill>
                   <a:schemeClr val="tx1"/>
                 </a:solidFill>
               </a:rPr>
               <a:t>강의평가 결과</a:t>
             </a:r>
-            <a:endParaRPr lang="en-US" altLang="ko-KR" sz="1100" dirty="0" smtClean="0">
+            <a:endParaRPr lang="en-US" altLang="ko-KR" sz="1100" dirty="0">
               <a:solidFill>
                 <a:schemeClr val="tx1"/>
               </a:solidFill>
@@ -4130,18 +4105,13 @@
           <a:p>
             <a:pPr algn="ctr"/>
             <a:r>
-              <a:rPr lang="ko-KR" altLang="en-US" sz="1100" dirty="0" smtClean="0">
+              <a:rPr lang="ko-KR" altLang="en-US" sz="1100" dirty="0">
                 <a:solidFill>
                   <a:schemeClr val="tx1"/>
                 </a:solidFill>
               </a:rPr>
               <a:t>조회 권한 오류 출력</a:t>
             </a:r>
-            <a:endParaRPr lang="ko-KR" altLang="en-US" sz="1100" dirty="0">
-              <a:solidFill>
-                <a:schemeClr val="tx1"/>
-              </a:solidFill>
-            </a:endParaRPr>
           </a:p>
         </p:txBody>
       </p:sp>
@@ -4156,8 +4126,8 @@
         </p:nvCxnSpPr>
         <p:spPr>
           <a:xfrm>
-            <a:off x="8083815" y="5193028"/>
-            <a:ext cx="483846" cy="2801991"/>
+            <a:off x="8083816" y="5193029"/>
+            <a:ext cx="483845" cy="2801991"/>
           </a:xfrm>
           <a:prstGeom prst="straightConnector1">
             <a:avLst/>
@@ -4194,7 +4164,7 @@
         <p:spPr>
           <a:xfrm>
             <a:off x="8083815" y="5193028"/>
-            <a:ext cx="2256367" cy="2793624"/>
+            <a:ext cx="2256366" cy="2793625"/>
           </a:xfrm>
           <a:prstGeom prst="straightConnector1">
             <a:avLst/>
@@ -4227,7 +4197,7 @@
         </p:nvSpPr>
         <p:spPr>
           <a:xfrm>
-            <a:off x="-876379" y="8010748"/>
+            <a:off x="1067050" y="8010748"/>
             <a:ext cx="1556992" cy="726131"/>
           </a:xfrm>
           <a:prstGeom prst="rect">
@@ -4264,14 +4234,14 @@
           <a:p>
             <a:pPr algn="ctr"/>
             <a:r>
-              <a:rPr lang="ko-KR" altLang="en-US" sz="1100" dirty="0" smtClean="0">
+              <a:rPr lang="ko-KR" altLang="en-US" sz="1100" dirty="0">
                 <a:solidFill>
                   <a:schemeClr val="tx1"/>
                 </a:solidFill>
               </a:rPr>
               <a:t>강의평가 결과 </a:t>
             </a:r>
-            <a:endParaRPr lang="en-US" altLang="ko-KR" sz="1100" dirty="0" smtClean="0">
+            <a:endParaRPr lang="en-US" altLang="ko-KR" sz="1100" dirty="0">
               <a:solidFill>
                 <a:schemeClr val="tx1"/>
               </a:solidFill>
@@ -4280,18 +4250,13 @@
           <a:p>
             <a:pPr algn="ctr"/>
             <a:r>
-              <a:rPr lang="ko-KR" altLang="en-US" sz="1100" dirty="0" smtClean="0">
+              <a:rPr lang="ko-KR" altLang="en-US" sz="1100" dirty="0">
                 <a:solidFill>
                   <a:schemeClr val="tx1"/>
                 </a:solidFill>
               </a:rPr>
               <a:t>정보 입력</a:t>
             </a:r>
-            <a:endParaRPr lang="ko-KR" altLang="en-US" sz="1100" dirty="0">
-              <a:solidFill>
-                <a:schemeClr val="tx1"/>
-              </a:solidFill>
-            </a:endParaRPr>
           </a:p>
         </p:txBody>
       </p:sp>
@@ -4306,8 +4271,8 @@
         </p:nvCxnSpPr>
         <p:spPr>
           <a:xfrm flipH="1">
-            <a:off x="-97883" y="5193028"/>
-            <a:ext cx="3871500" cy="2817720"/>
+            <a:off x="1845546" y="5193030"/>
+            <a:ext cx="1928072" cy="2817718"/>
           </a:xfrm>
           <a:prstGeom prst="straightConnector1">
             <a:avLst/>
@@ -4339,8 +4304,8 @@
         </p:nvGrpSpPr>
         <p:grpSpPr>
           <a:xfrm rot="5152067">
-            <a:off x="4813771" y="6237466"/>
-            <a:ext cx="465295" cy="429840"/>
+            <a:off x="4683382" y="6237466"/>
+            <a:ext cx="465294" cy="429840"/>
             <a:chOff x="5764817" y="2081712"/>
             <a:chExt cx="465295" cy="429840"/>
           </a:xfrm>
@@ -4387,7 +4352,7 @@
             <a:lstStyle/>
             <a:p>
               <a:pPr algn="ctr"/>
-              <a:endParaRPr lang="ko-KR" altLang="en-US"/>
+              <a:endParaRPr lang="ko-KR" altLang="en-US" sz="1801"/>
             </a:p>
           </p:txBody>
         </p:sp>
@@ -4435,7 +4400,7 @@
         </p:nvSpPr>
         <p:spPr>
           <a:xfrm rot="18177624">
-            <a:off x="4150323" y="6142815"/>
+            <a:off x="4019933" y="6142814"/>
             <a:ext cx="1410236" cy="261610"/>
           </a:xfrm>
           <a:prstGeom prst="rect">
@@ -4451,7 +4416,7 @@
           <a:p>
             <a:pPr algn="ctr"/>
             <a:r>
-              <a:rPr lang="ko-KR" altLang="en-US" sz="1100" dirty="0" smtClean="0"/>
+              <a:rPr lang="ko-KR" altLang="en-US" sz="1100" dirty="0"/>
               <a:t>권한 정보</a:t>
             </a:r>
             <a:endParaRPr lang="ko-KR" altLang="en-US" sz="1600" dirty="0"/>
@@ -4466,9 +4431,9 @@
         </p:nvGrpSpPr>
         <p:grpSpPr>
           <a:xfrm>
-            <a:off x="8597424" y="6094721"/>
-            <a:ext cx="2076209" cy="429840"/>
-            <a:chOff x="9967670" y="4237373"/>
+            <a:off x="8597427" y="6094732"/>
+            <a:ext cx="2076209" cy="429841"/>
+            <a:chOff x="9967671" y="4237373"/>
             <a:chExt cx="2076209" cy="429840"/>
           </a:xfrm>
         </p:grpSpPr>
@@ -4528,7 +4493,7 @@
               <a:lstStyle/>
               <a:p>
                 <a:pPr algn="ctr"/>
-                <a:endParaRPr lang="ko-KR" altLang="en-US"/>
+                <a:endParaRPr lang="ko-KR" altLang="en-US" sz="1801"/>
               </a:p>
             </p:txBody>
           </p:sp>
@@ -4576,8 +4541,8 @@
           </p:nvSpPr>
           <p:spPr>
             <a:xfrm rot="2557281">
-              <a:off x="9967670" y="4251054"/>
-              <a:ext cx="2076209" cy="261610"/>
+              <a:off x="9967671" y="4251054"/>
+              <a:ext cx="2076209" cy="261609"/>
             </a:xfrm>
             <a:prstGeom prst="rect">
               <a:avLst/>
@@ -4606,10 +4571,10 @@
         </p:nvGrpSpPr>
         <p:grpSpPr>
           <a:xfrm rot="21062788">
-            <a:off x="3895236" y="1842876"/>
-            <a:ext cx="1863525" cy="465448"/>
-            <a:chOff x="3478084" y="1503056"/>
-            <a:chExt cx="1863525" cy="465448"/>
+            <a:off x="3895237" y="1842877"/>
+            <a:ext cx="1863525" cy="465446"/>
+            <a:chOff x="3478084" y="1503057"/>
+            <a:chExt cx="1863525" cy="465447"/>
           </a:xfrm>
         </p:grpSpPr>
         <p:sp>
@@ -4620,8 +4585,8 @@
           </p:nvSpPr>
           <p:spPr>
             <a:xfrm rot="19088492">
-              <a:off x="3478084" y="1503056"/>
-              <a:ext cx="1863525" cy="261610"/>
+              <a:off x="3478084" y="1503057"/>
+              <a:ext cx="1863525" cy="261611"/>
             </a:xfrm>
             <a:prstGeom prst="rect">
               <a:avLst/>
@@ -4637,11 +4602,7 @@
               <a:pPr algn="ctr"/>
               <a:r>
                 <a:rPr lang="ko-KR" altLang="en-US" sz="1100" dirty="0"/>
-                <a:t>강의 평가 결과 </a:t>
-              </a:r>
-              <a:r>
-                <a:rPr lang="ko-KR" altLang="en-US" sz="1100" dirty="0" smtClean="0"/>
-                <a:t>조회 정보</a:t>
+                <a:t>강의 평가 결과 조회 정보</a:t>
               </a:r>
               <a:endParaRPr lang="ko-KR" altLang="en-US" sz="1600" dirty="0"/>
             </a:p>
@@ -4703,7 +4664,7 @@
               <a:lstStyle/>
               <a:p>
                 <a:pPr algn="ctr"/>
-                <a:endParaRPr lang="ko-KR" altLang="en-US"/>
+                <a:endParaRPr lang="ko-KR" altLang="en-US" sz="1801"/>
               </a:p>
             </p:txBody>
           </p:sp>
@@ -4744,129 +4705,6 @@
           </p:cxnSp>
         </p:grpSp>
       </p:grpSp>
-      <p:sp>
-        <p:nvSpPr>
-          <p:cNvPr id="124" name="직사각형 123"/>
-          <p:cNvSpPr/>
-          <p:nvPr/>
-        </p:nvSpPr>
-        <p:spPr>
-          <a:xfrm>
-            <a:off x="1148592" y="8019762"/>
-            <a:ext cx="1556992" cy="726131"/>
-          </a:xfrm>
-          <a:prstGeom prst="rect">
-            <a:avLst/>
-          </a:prstGeom>
-          <a:noFill/>
-          <a:ln w="31750">
-            <a:solidFill>
-              <a:schemeClr val="accent1">
-                <a:shade val="50000"/>
-              </a:schemeClr>
-            </a:solidFill>
-          </a:ln>
-        </p:spPr>
-        <p:style>
-          <a:lnRef idx="2">
-            <a:schemeClr val="accent1">
-              <a:shade val="50000"/>
-            </a:schemeClr>
-          </a:lnRef>
-          <a:fillRef idx="1">
-            <a:schemeClr val="accent1"/>
-          </a:fillRef>
-          <a:effectRef idx="0">
-            <a:schemeClr val="accent1"/>
-          </a:effectRef>
-          <a:fontRef idx="minor">
-            <a:schemeClr val="lt1"/>
-          </a:fontRef>
-        </p:style>
-        <p:txBody>
-          <a:bodyPr rtlCol="0" anchor="ctr"/>
-          <a:lstStyle/>
-          <a:p>
-            <a:pPr algn="ctr"/>
-            <a:r>
-              <a:rPr lang="ko-KR" altLang="en-US" sz="1100" dirty="0">
-                <a:solidFill>
-                  <a:sysClr val="windowText" lastClr="000000"/>
-                </a:solidFill>
-              </a:rPr>
-              <a:t>강의평가 </a:t>
-            </a:r>
-            <a:r>
-              <a:rPr lang="ko-KR" altLang="en-US" sz="1100" dirty="0" smtClean="0">
-                <a:solidFill>
-                  <a:sysClr val="windowText" lastClr="000000"/>
-                </a:solidFill>
-              </a:rPr>
-              <a:t>결과</a:t>
-            </a:r>
-            <a:endParaRPr lang="en-US" altLang="ko-KR" sz="1100" dirty="0" smtClean="0">
-              <a:solidFill>
-                <a:sysClr val="windowText" lastClr="000000"/>
-              </a:solidFill>
-            </a:endParaRPr>
-          </a:p>
-          <a:p>
-            <a:pPr algn="ctr"/>
-            <a:r>
-              <a:rPr lang="ko-KR" altLang="en-US" sz="1100" dirty="0" smtClean="0">
-                <a:solidFill>
-                  <a:sysClr val="windowText" lastClr="000000"/>
-                </a:solidFill>
-              </a:rPr>
-              <a:t>정보 </a:t>
-            </a:r>
-            <a:r>
-              <a:rPr lang="ko-KR" altLang="en-US" sz="1100" dirty="0">
-                <a:solidFill>
-                  <a:sysClr val="windowText" lastClr="000000"/>
-                </a:solidFill>
-              </a:rPr>
-              <a:t>읽음</a:t>
-            </a:r>
-          </a:p>
-        </p:txBody>
-      </p:sp>
-      <p:cxnSp>
-        <p:nvCxnSpPr>
-          <p:cNvPr id="128" name="직선 화살표 연결선 127"/>
-          <p:cNvCxnSpPr>
-            <a:stCxn id="5" idx="2"/>
-            <a:endCxn id="124" idx="0"/>
-          </p:cNvCxnSpPr>
-          <p:nvPr/>
-        </p:nvCxnSpPr>
-        <p:spPr>
-          <a:xfrm flipH="1">
-            <a:off x="1927088" y="5193029"/>
-            <a:ext cx="4021707" cy="2826733"/>
-          </a:xfrm>
-          <a:prstGeom prst="straightConnector1">
-            <a:avLst/>
-          </a:prstGeom>
-          <a:ln w="38100">
-            <a:tailEnd type="triangle"/>
-          </a:ln>
-        </p:spPr>
-        <p:style>
-          <a:lnRef idx="1">
-            <a:schemeClr val="accent1"/>
-          </a:lnRef>
-          <a:fillRef idx="0">
-            <a:schemeClr val="accent1"/>
-          </a:fillRef>
-          <a:effectRef idx="0">
-            <a:schemeClr val="accent1"/>
-          </a:effectRef>
-          <a:fontRef idx="minor">
-            <a:schemeClr val="tx1"/>
-          </a:fontRef>
-        </p:style>
-      </p:cxnSp>
       <p:grpSp>
         <p:nvGrpSpPr>
           <p:cNvPr id="133" name="그룹 132"/>
@@ -4875,10 +4713,10 @@
         </p:nvGrpSpPr>
         <p:grpSpPr>
           <a:xfrm rot="1176772">
-            <a:off x="6408346" y="1580362"/>
-            <a:ext cx="1295969" cy="542376"/>
-            <a:chOff x="5965431" y="834634"/>
-            <a:chExt cx="1295969" cy="542376"/>
+            <a:off x="6408348" y="1580367"/>
+            <a:ext cx="1295970" cy="542376"/>
+            <a:chOff x="5965433" y="834635"/>
+            <a:chExt cx="1295969" cy="542375"/>
           </a:xfrm>
         </p:grpSpPr>
         <p:grpSp>
@@ -4939,7 +4777,7 @@
               <a:lstStyle/>
               <a:p>
                 <a:pPr algn="ctr"/>
-                <a:endParaRPr lang="ko-KR" altLang="en-US"/>
+                <a:endParaRPr lang="ko-KR" altLang="en-US" sz="1801"/>
               </a:p>
             </p:txBody>
           </p:sp>
@@ -4987,7 +4825,7 @@
           </p:nvSpPr>
           <p:spPr>
             <a:xfrm rot="2373847">
-              <a:off x="5965431" y="834634"/>
+              <a:off x="5965433" y="834635"/>
               <a:ext cx="1295969" cy="261610"/>
             </a:xfrm>
             <a:prstGeom prst="rect">
@@ -5004,11 +4842,7 @@
               <a:pPr algn="ctr"/>
               <a:r>
                 <a:rPr lang="ko-KR" altLang="en-US" sz="1100" dirty="0"/>
-                <a:t>권한 </a:t>
-              </a:r>
-              <a:r>
-                <a:rPr lang="ko-KR" altLang="en-US" sz="1100" dirty="0" smtClean="0"/>
-                <a:t>확인 정보</a:t>
+                <a:t>권한 확인 정보</a:t>
               </a:r>
               <a:endParaRPr lang="ko-KR" altLang="en-US" sz="1600" dirty="0"/>
             </a:p>
@@ -5073,7 +4907,7 @@
             <a:lstStyle/>
             <a:p>
               <a:pPr algn="ctr"/>
-              <a:endParaRPr lang="ko-KR" altLang="en-US"/>
+              <a:endParaRPr lang="ko-KR" altLang="en-US" sz="1801"/>
             </a:p>
           </p:txBody>
         </p:sp>
@@ -5121,8 +4955,8 @@
         </p:nvSpPr>
         <p:spPr>
           <a:xfrm rot="7221821">
-            <a:off x="4600702" y="7345134"/>
-            <a:ext cx="1295969" cy="261610"/>
+            <a:off x="4600703" y="7345135"/>
+            <a:ext cx="1295970" cy="261610"/>
           </a:xfrm>
           <a:prstGeom prst="rect">
             <a:avLst/>
@@ -5138,11 +4972,7 @@
             <a:pPr algn="ctr"/>
             <a:r>
               <a:rPr lang="ko-KR" altLang="en-US" sz="1100" dirty="0"/>
-              <a:t>권한 </a:t>
-            </a:r>
-            <a:r>
-              <a:rPr lang="ko-KR" altLang="en-US" sz="1100" dirty="0" smtClean="0"/>
-              <a:t>확인 정보</a:t>
+              <a:t>권한 확인 정보</a:t>
             </a:r>
             <a:endParaRPr lang="ko-KR" altLang="en-US" sz="1600" dirty="0"/>
           </a:p>
@@ -5156,45 +4986,110 @@
         </p:nvGrpSpPr>
         <p:grpSpPr>
           <a:xfrm rot="2326883">
-            <a:off x="8181157" y="6613356"/>
-            <a:ext cx="1295969" cy="536421"/>
-            <a:chOff x="5965431" y="834634"/>
-            <a:chExt cx="1295969" cy="536421"/>
+            <a:off x="8179295" y="6612700"/>
+            <a:ext cx="1295970" cy="542376"/>
+            <a:chOff x="5965433" y="834634"/>
+            <a:chExt cx="1295969" cy="542376"/>
           </a:xfrm>
         </p:grpSpPr>
-        <p:cxnSp>
-          <p:nvCxnSpPr>
-            <p:cNvPr id="149" name="직선 연결선 148"/>
-            <p:cNvCxnSpPr/>
+        <p:grpSp>
+          <p:nvGrpSpPr>
+            <p:cNvPr id="146" name="그룹 145"/>
+            <p:cNvGrpSpPr/>
             <p:nvPr/>
-          </p:nvCxnSpPr>
-          <p:spPr>
-            <a:xfrm rot="21416685" flipH="1" flipV="1">
-              <a:off x="6359173" y="1158857"/>
-              <a:ext cx="247653" cy="212198"/>
+          </p:nvGrpSpPr>
+          <p:grpSpPr>
+            <a:xfrm rot="21416685">
+              <a:off x="6135886" y="947170"/>
+              <a:ext cx="465295" cy="429840"/>
+              <a:chOff x="5764817" y="2081712"/>
+              <a:chExt cx="465295" cy="429840"/>
             </a:xfrm>
-            <a:prstGeom prst="line">
-              <a:avLst/>
-            </a:prstGeom>
-            <a:ln w="38100">
-              <a:headEnd type="stealth" w="lg" len="lg"/>
-            </a:ln>
-          </p:spPr>
-          <p:style>
-            <a:lnRef idx="1">
-              <a:schemeClr val="accent1"/>
-            </a:lnRef>
-            <a:fillRef idx="0">
-              <a:schemeClr val="accent1"/>
-            </a:fillRef>
-            <a:effectRef idx="0">
-              <a:schemeClr val="accent1"/>
-            </a:effectRef>
-            <a:fontRef idx="minor">
-              <a:schemeClr val="tx1"/>
-            </a:fontRef>
-          </p:style>
-        </p:cxnSp>
+          </p:grpSpPr>
+          <p:sp>
+            <p:nvSpPr>
+              <p:cNvPr id="148" name="타원 147"/>
+              <p:cNvSpPr/>
+              <p:nvPr/>
+            </p:nvSpPr>
+            <p:spPr>
+              <a:xfrm>
+                <a:off x="5764817" y="2081712"/>
+                <a:ext cx="254984" cy="254984"/>
+              </a:xfrm>
+              <a:prstGeom prst="ellipse">
+                <a:avLst/>
+              </a:prstGeom>
+              <a:solidFill>
+                <a:schemeClr val="accent1"/>
+              </a:solidFill>
+              <a:ln w="38100">
+                <a:solidFill>
+                  <a:schemeClr val="accent1"/>
+                </a:solidFill>
+              </a:ln>
+            </p:spPr>
+            <p:style>
+              <a:lnRef idx="2">
+                <a:schemeClr val="accent1">
+                  <a:shade val="50000"/>
+                </a:schemeClr>
+              </a:lnRef>
+              <a:fillRef idx="1">
+                <a:schemeClr val="accent1"/>
+              </a:fillRef>
+              <a:effectRef idx="0">
+                <a:schemeClr val="accent1"/>
+              </a:effectRef>
+              <a:fontRef idx="minor">
+                <a:schemeClr val="lt1"/>
+              </a:fontRef>
+            </p:style>
+            <p:txBody>
+              <a:bodyPr rtlCol="0" anchor="ctr"/>
+              <a:lstStyle/>
+              <a:p>
+                <a:pPr algn="ctr"/>
+                <a:endParaRPr lang="ko-KR" altLang="en-US" sz="1801"/>
+              </a:p>
+            </p:txBody>
+          </p:sp>
+          <p:cxnSp>
+            <p:nvCxnSpPr>
+              <p:cNvPr id="149" name="직선 연결선 148"/>
+              <p:cNvCxnSpPr>
+                <a:endCxn id="148" idx="5"/>
+              </p:cNvCxnSpPr>
+              <p:nvPr/>
+            </p:nvCxnSpPr>
+            <p:spPr>
+              <a:xfrm flipH="1" flipV="1">
+                <a:off x="5982459" y="2299354"/>
+                <a:ext cx="247653" cy="212198"/>
+              </a:xfrm>
+              <a:prstGeom prst="line">
+                <a:avLst/>
+              </a:prstGeom>
+              <a:ln w="38100">
+                <a:headEnd type="stealth" w="lg" len="lg"/>
+              </a:ln>
+            </p:spPr>
+            <p:style>
+              <a:lnRef idx="1">
+                <a:schemeClr val="accent1"/>
+              </a:lnRef>
+              <a:fillRef idx="0">
+                <a:schemeClr val="accent1"/>
+              </a:fillRef>
+              <a:effectRef idx="0">
+                <a:schemeClr val="accent1"/>
+              </a:effectRef>
+              <a:fontRef idx="minor">
+                <a:schemeClr val="tx1"/>
+              </a:fontRef>
+            </p:style>
+          </p:cxnSp>
+        </p:grpSp>
         <p:sp>
           <p:nvSpPr>
             <p:cNvPr id="147" name="TextBox 146"/>
@@ -5203,7 +5098,7 @@
           </p:nvSpPr>
           <p:spPr>
             <a:xfrm rot="2373847">
-              <a:off x="5965431" y="834634"/>
+              <a:off x="5965433" y="834634"/>
               <a:ext cx="1295969" cy="261610"/>
             </a:xfrm>
             <a:prstGeom prst="rect">
@@ -5220,11 +5115,7 @@
               <a:pPr algn="ctr"/>
               <a:r>
                 <a:rPr lang="ko-KR" altLang="en-US" sz="1100" dirty="0"/>
-                <a:t>권한 </a:t>
-              </a:r>
-              <a:r>
-                <a:rPr lang="ko-KR" altLang="en-US" sz="1100" dirty="0" smtClean="0"/>
-                <a:t>확인 정보</a:t>
+                <a:t>권한 확인 정보</a:t>
               </a:r>
               <a:endParaRPr lang="ko-KR" altLang="en-US" sz="1600" dirty="0"/>
             </a:p>
@@ -5238,9 +5129,9 @@
           <p:nvPr/>
         </p:nvSpPr>
         <p:spPr>
-          <a:xfrm rot="19407169">
-            <a:off x="342739" y="6125070"/>
-            <a:ext cx="2162056" cy="261610"/>
+          <a:xfrm rot="18429902">
+            <a:off x="1500294" y="5995432"/>
+            <a:ext cx="2162057" cy="261610"/>
           </a:xfrm>
           <a:prstGeom prst="rect">
             <a:avLst/>
@@ -5256,11 +5147,7 @@
             <a:pPr algn="ctr"/>
             <a:r>
               <a:rPr lang="ko-KR" altLang="en-US" sz="1100" dirty="0"/>
-              <a:t>강의 평가 결과 </a:t>
-            </a:r>
-            <a:r>
-              <a:rPr lang="ko-KR" altLang="en-US" sz="1100" dirty="0" smtClean="0"/>
-              <a:t>조회 대상 정보</a:t>
+              <a:t>강의 평가 결과 조회 대상 정보</a:t>
             </a:r>
             <a:endParaRPr lang="ko-KR" altLang="en-US" sz="1600" dirty="0"/>
           </a:p>
@@ -5273,9 +5160,9 @@
           <p:nvPr/>
         </p:nvGrpSpPr>
         <p:grpSpPr>
-          <a:xfrm rot="16853003">
-            <a:off x="1280264" y="6340979"/>
-            <a:ext cx="465295" cy="429840"/>
+          <a:xfrm rot="15875736">
+            <a:off x="2437820" y="6211339"/>
+            <a:ext cx="465294" cy="429840"/>
             <a:chOff x="5764817" y="2081712"/>
             <a:chExt cx="465295" cy="429840"/>
           </a:xfrm>
@@ -5322,7 +5209,7 @@
             <a:lstStyle/>
             <a:p>
               <a:pPr algn="ctr"/>
-              <a:endParaRPr lang="ko-KR" altLang="en-US"/>
+              <a:endParaRPr lang="ko-KR" altLang="en-US" sz="1801"/>
             </a:p>
           </p:txBody>
         </p:sp>
@@ -5364,277 +5251,14 @@
       </p:grpSp>
       <p:grpSp>
         <p:nvGrpSpPr>
-          <p:cNvPr id="170" name="그룹 169"/>
-          <p:cNvGrpSpPr/>
-          <p:nvPr/>
-        </p:nvGrpSpPr>
-        <p:grpSpPr>
-          <a:xfrm rot="16837843">
-            <a:off x="3003555" y="6614571"/>
-            <a:ext cx="465295" cy="429840"/>
-            <a:chOff x="5764817" y="2081712"/>
-            <a:chExt cx="465295" cy="429840"/>
-          </a:xfrm>
-        </p:grpSpPr>
-        <p:sp>
-          <p:nvSpPr>
-            <p:cNvPr id="171" name="타원 170"/>
-            <p:cNvSpPr/>
-            <p:nvPr/>
-          </p:nvSpPr>
-          <p:spPr>
-            <a:xfrm>
-              <a:off x="5764817" y="2081712"/>
-              <a:ext cx="254984" cy="254984"/>
-            </a:xfrm>
-            <a:prstGeom prst="ellipse">
-              <a:avLst/>
-            </a:prstGeom>
-            <a:noFill/>
-            <a:ln w="38100">
-              <a:solidFill>
-                <a:schemeClr val="accent1"/>
-              </a:solidFill>
-            </a:ln>
-          </p:spPr>
-          <p:style>
-            <a:lnRef idx="2">
-              <a:schemeClr val="accent1">
-                <a:shade val="50000"/>
-              </a:schemeClr>
-            </a:lnRef>
-            <a:fillRef idx="1">
-              <a:schemeClr val="accent1"/>
-            </a:fillRef>
-            <a:effectRef idx="0">
-              <a:schemeClr val="accent1"/>
-            </a:effectRef>
-            <a:fontRef idx="minor">
-              <a:schemeClr val="lt1"/>
-            </a:fontRef>
-          </p:style>
-          <p:txBody>
-            <a:bodyPr rtlCol="0" anchor="ctr"/>
-            <a:lstStyle/>
-            <a:p>
-              <a:pPr algn="ctr"/>
-              <a:endParaRPr lang="ko-KR" altLang="en-US"/>
-            </a:p>
-          </p:txBody>
-        </p:sp>
-        <p:cxnSp>
-          <p:nvCxnSpPr>
-            <p:cNvPr id="172" name="직선 연결선 171"/>
-            <p:cNvCxnSpPr>
-              <a:endCxn id="171" idx="5"/>
-            </p:cNvCxnSpPr>
-            <p:nvPr/>
-          </p:nvCxnSpPr>
-          <p:spPr>
-            <a:xfrm flipH="1" flipV="1">
-              <a:off x="5982459" y="2299354"/>
-              <a:ext cx="247653" cy="212198"/>
-            </a:xfrm>
-            <a:prstGeom prst="line">
-              <a:avLst/>
-            </a:prstGeom>
-            <a:ln w="38100">
-              <a:headEnd type="stealth" w="lg" len="lg"/>
-            </a:ln>
-          </p:spPr>
-          <p:style>
-            <a:lnRef idx="1">
-              <a:schemeClr val="accent1"/>
-            </a:lnRef>
-            <a:fillRef idx="0">
-              <a:schemeClr val="accent1"/>
-            </a:fillRef>
-            <a:effectRef idx="0">
-              <a:schemeClr val="accent1"/>
-            </a:effectRef>
-            <a:fontRef idx="minor">
-              <a:schemeClr val="tx1"/>
-            </a:fontRef>
-          </p:style>
-        </p:cxnSp>
-      </p:grpSp>
-      <p:sp>
-        <p:nvSpPr>
-          <p:cNvPr id="173" name="TextBox 172"/>
-          <p:cNvSpPr txBox="1"/>
-          <p:nvPr/>
-        </p:nvSpPr>
-        <p:spPr>
-          <a:xfrm rot="19380600">
-            <a:off x="2071666" y="6474726"/>
-            <a:ext cx="2065042" cy="261610"/>
-          </a:xfrm>
-          <a:prstGeom prst="rect">
-            <a:avLst/>
-          </a:prstGeom>
-          <a:noFill/>
-        </p:spPr>
-        <p:txBody>
-          <a:bodyPr wrap="square" rtlCol="0">
-            <a:spAutoFit/>
-          </a:bodyPr>
-          <a:lstStyle/>
-          <a:p>
-            <a:r>
-              <a:rPr lang="ko-KR" altLang="en-US" sz="1100" dirty="0"/>
-              <a:t>강의평가 결과 리스트 정보</a:t>
-            </a:r>
-            <a:endParaRPr lang="ko-KR" altLang="en-US" sz="1600" dirty="0"/>
-          </a:p>
-        </p:txBody>
-      </p:sp>
-      <p:grpSp>
-        <p:nvGrpSpPr>
-          <p:cNvPr id="174" name="그룹 173"/>
-          <p:cNvGrpSpPr/>
-          <p:nvPr/>
-        </p:nvGrpSpPr>
-        <p:grpSpPr>
-          <a:xfrm rot="1952499">
-            <a:off x="6093948" y="7298646"/>
-            <a:ext cx="465295" cy="429840"/>
-            <a:chOff x="5764817" y="2081712"/>
-            <a:chExt cx="465295" cy="429840"/>
-          </a:xfrm>
-        </p:grpSpPr>
-        <p:sp>
-          <p:nvSpPr>
-            <p:cNvPr id="175" name="타원 174"/>
-            <p:cNvSpPr/>
-            <p:nvPr/>
-          </p:nvSpPr>
-          <p:spPr>
-            <a:xfrm>
-              <a:off x="5764817" y="2081712"/>
-              <a:ext cx="254984" cy="254984"/>
-            </a:xfrm>
-            <a:prstGeom prst="ellipse">
-              <a:avLst/>
-            </a:prstGeom>
-            <a:noFill/>
-            <a:ln w="38100">
-              <a:solidFill>
-                <a:schemeClr val="accent1"/>
-              </a:solidFill>
-            </a:ln>
-          </p:spPr>
-          <p:style>
-            <a:lnRef idx="2">
-              <a:schemeClr val="accent1">
-                <a:shade val="50000"/>
-              </a:schemeClr>
-            </a:lnRef>
-            <a:fillRef idx="1">
-              <a:schemeClr val="accent1"/>
-            </a:fillRef>
-            <a:effectRef idx="0">
-              <a:schemeClr val="accent1"/>
-            </a:effectRef>
-            <a:fontRef idx="minor">
-              <a:schemeClr val="lt1"/>
-            </a:fontRef>
-          </p:style>
-          <p:txBody>
-            <a:bodyPr rtlCol="0" anchor="ctr"/>
-            <a:lstStyle/>
-            <a:p>
-              <a:pPr algn="ctr"/>
-              <a:endParaRPr lang="ko-KR" altLang="en-US"/>
-            </a:p>
-          </p:txBody>
-        </p:sp>
-        <p:cxnSp>
-          <p:nvCxnSpPr>
-            <p:cNvPr id="176" name="직선 연결선 175"/>
-            <p:cNvCxnSpPr>
-              <a:endCxn id="175" idx="5"/>
-            </p:cNvCxnSpPr>
-            <p:nvPr/>
-          </p:nvCxnSpPr>
-          <p:spPr>
-            <a:xfrm flipH="1" flipV="1">
-              <a:off x="5982459" y="2299354"/>
-              <a:ext cx="247653" cy="212198"/>
-            </a:xfrm>
-            <a:prstGeom prst="line">
-              <a:avLst/>
-            </a:prstGeom>
-            <a:ln w="38100">
-              <a:headEnd type="stealth" w="lg" len="lg"/>
-            </a:ln>
-          </p:spPr>
-          <p:style>
-            <a:lnRef idx="1">
-              <a:schemeClr val="accent1"/>
-            </a:lnRef>
-            <a:fillRef idx="0">
-              <a:schemeClr val="accent1"/>
-            </a:fillRef>
-            <a:effectRef idx="0">
-              <a:schemeClr val="accent1"/>
-            </a:effectRef>
-            <a:fontRef idx="minor">
-              <a:schemeClr val="tx1"/>
-            </a:fontRef>
-          </p:style>
-        </p:cxnSp>
-      </p:grpSp>
-      <p:sp>
-        <p:nvSpPr>
-          <p:cNvPr id="177" name="TextBox 176"/>
-          <p:cNvSpPr txBox="1"/>
-          <p:nvPr/>
-        </p:nvSpPr>
-        <p:spPr>
-          <a:xfrm rot="15427772">
-            <a:off x="5411597" y="7304389"/>
-            <a:ext cx="1130438" cy="430887"/>
-          </a:xfrm>
-          <a:prstGeom prst="rect">
-            <a:avLst/>
-          </a:prstGeom>
-          <a:noFill/>
-        </p:spPr>
-        <p:txBody>
-          <a:bodyPr wrap="none" rtlCol="0">
-            <a:spAutoFit/>
-          </a:bodyPr>
-          <a:lstStyle/>
-          <a:p>
-            <a:r>
-              <a:rPr lang="ko-KR" altLang="en-US" sz="1100" dirty="0"/>
-              <a:t>강의평가 결과 </a:t>
-            </a:r>
-            <a:endParaRPr lang="en-US" altLang="ko-KR" sz="1100" dirty="0" smtClean="0"/>
-          </a:p>
-          <a:p>
-            <a:r>
-              <a:rPr lang="ko-KR" altLang="en-US" sz="1100" dirty="0" smtClean="0"/>
-              <a:t>리스트 </a:t>
-            </a:r>
-            <a:r>
-              <a:rPr lang="ko-KR" altLang="en-US" sz="1100" dirty="0"/>
-              <a:t>정보</a:t>
-            </a:r>
-            <a:endParaRPr lang="ko-KR" altLang="en-US" sz="1600" dirty="0"/>
-          </a:p>
-        </p:txBody>
-      </p:sp>
-      <p:grpSp>
-        <p:nvGrpSpPr>
           <p:cNvPr id="178" name="그룹 177"/>
           <p:cNvGrpSpPr/>
           <p:nvPr/>
         </p:nvGrpSpPr>
         <p:grpSpPr>
           <a:xfrm rot="1952499">
-            <a:off x="5844531" y="6419352"/>
-            <a:ext cx="465295" cy="429840"/>
+            <a:off x="5844532" y="6419353"/>
+            <a:ext cx="465294" cy="429840"/>
             <a:chOff x="5764817" y="2081712"/>
             <a:chExt cx="465295" cy="429840"/>
           </a:xfrm>
@@ -5681,7 +5305,7 @@
             <a:lstStyle/>
             <a:p>
               <a:pPr algn="ctr"/>
-              <a:endParaRPr lang="ko-KR" altLang="en-US"/>
+              <a:endParaRPr lang="ko-KR" altLang="en-US" sz="1801"/>
             </a:p>
           </p:txBody>
         </p:sp>
@@ -5729,7 +5353,7 @@
         </p:nvSpPr>
         <p:spPr>
           <a:xfrm rot="15427772">
-            <a:off x="5094176" y="6322915"/>
+            <a:off x="5094178" y="6322917"/>
             <a:ext cx="1221809" cy="430887"/>
           </a:xfrm>
           <a:prstGeom prst="rect">
@@ -5766,8 +5390,8 @@
         </p:nvGrpSpPr>
         <p:grpSpPr>
           <a:xfrm rot="12388667">
-            <a:off x="6225703" y="6023818"/>
-            <a:ext cx="465295" cy="429840"/>
+            <a:off x="6225703" y="6023819"/>
+            <a:ext cx="465294" cy="429840"/>
             <a:chOff x="5764817" y="2081712"/>
             <a:chExt cx="465295" cy="429840"/>
           </a:xfrm>
@@ -5816,7 +5440,7 @@
             <a:lstStyle/>
             <a:p>
               <a:pPr algn="ctr"/>
-              <a:endParaRPr lang="ko-KR" altLang="en-US"/>
+              <a:endParaRPr lang="ko-KR" altLang="en-US" sz="1801"/>
             </a:p>
           </p:txBody>
         </p:sp>
@@ -5864,8 +5488,8 @@
         </p:nvSpPr>
         <p:spPr>
           <a:xfrm rot="4120830">
-            <a:off x="6156628" y="5922732"/>
-            <a:ext cx="1295969" cy="430887"/>
+            <a:off x="6156628" y="5922735"/>
+            <a:ext cx="1295970" cy="430887"/>
           </a:xfrm>
           <a:prstGeom prst="rect">
             <a:avLst/>
@@ -5880,7 +5504,7 @@
           <a:p>
             <a:pPr algn="ctr"/>
             <a:r>
-              <a:rPr lang="ko-KR" altLang="en-US" sz="1100" dirty="0" smtClean="0"/>
+              <a:rPr lang="ko-KR" altLang="en-US" sz="1100" dirty="0"/>
               <a:t>강의평가 결과 조회 성공 여부</a:t>
             </a:r>
             <a:endParaRPr lang="ko-KR" altLang="en-US" sz="1600" dirty="0"/>
@@ -5895,10 +5519,10 @@
         </p:nvGrpSpPr>
         <p:grpSpPr>
           <a:xfrm>
-            <a:off x="5933549" y="2059165"/>
-            <a:ext cx="776625" cy="1295969"/>
-            <a:chOff x="5933549" y="1420450"/>
-            <a:chExt cx="776625" cy="1295969"/>
+            <a:off x="5906017" y="1814651"/>
+            <a:ext cx="776626" cy="1295970"/>
+            <a:chOff x="5933549" y="1420452"/>
+            <a:chExt cx="776626" cy="1295969"/>
           </a:xfrm>
         </p:grpSpPr>
         <p:grpSp>
@@ -5959,7 +5583,7 @@
               <a:lstStyle/>
               <a:p>
                 <a:pPr algn="ctr"/>
-                <a:endParaRPr lang="ko-KR" altLang="en-US"/>
+                <a:endParaRPr lang="ko-KR" altLang="en-US" sz="1801"/>
               </a:p>
             </p:txBody>
           </p:sp>
@@ -6007,7 +5631,7 @@
           </p:nvSpPr>
           <p:spPr>
             <a:xfrm rot="5400824">
-              <a:off x="5846746" y="1852991"/>
+              <a:off x="5846747" y="1852993"/>
               <a:ext cx="1295969" cy="430887"/>
             </a:xfrm>
             <a:prstGeom prst="rect">
@@ -6023,15 +5647,15 @@
             <a:p>
               <a:pPr algn="ctr"/>
               <a:r>
-                <a:rPr lang="ko-KR" altLang="en-US" sz="1100" dirty="0" smtClean="0"/>
+                <a:rPr lang="ko-KR" altLang="en-US" sz="1100" dirty="0"/>
                 <a:t>강의평가 결과 </a:t>
               </a:r>
-              <a:endParaRPr lang="en-US" altLang="ko-KR" sz="1100" dirty="0" smtClean="0"/>
+              <a:endParaRPr lang="en-US" altLang="ko-KR" sz="1100" dirty="0"/>
             </a:p>
             <a:p>
               <a:pPr algn="ctr"/>
               <a:r>
-                <a:rPr lang="ko-KR" altLang="en-US" sz="1100" dirty="0" smtClean="0"/>
+                <a:rPr lang="ko-KR" altLang="en-US" sz="1100" dirty="0"/>
                 <a:t>조회 성공 여부</a:t>
               </a:r>
               <a:endParaRPr lang="ko-KR" altLang="en-US" sz="1600" dirty="0"/>
@@ -6095,7 +5719,7 @@
             <a:lstStyle/>
             <a:p>
               <a:pPr algn="ctr"/>
-              <a:endParaRPr lang="ko-KR" altLang="en-US"/>
+              <a:endParaRPr lang="ko-KR" altLang="en-US" sz="1801"/>
             </a:p>
           </p:txBody>
         </p:sp>
@@ -6143,8 +5767,8 @@
         </p:nvSpPr>
         <p:spPr>
           <a:xfrm rot="4194877">
-            <a:off x="6566135" y="7160465"/>
-            <a:ext cx="1412566" cy="430887"/>
+            <a:off x="6566134" y="7160465"/>
+            <a:ext cx="1412567" cy="430887"/>
           </a:xfrm>
           <a:prstGeom prst="rect">
             <a:avLst/>
@@ -6160,23 +5784,15 @@
             <a:pPr algn="ctr"/>
             <a:r>
               <a:rPr lang="ko-KR" altLang="en-US" sz="1100" dirty="0"/>
-              <a:t>강의평가 결과 </a:t>
-            </a:r>
-            <a:r>
-              <a:rPr lang="ko-KR" altLang="en-US" sz="1100" dirty="0" smtClean="0"/>
-              <a:t>조회</a:t>
-            </a:r>
-            <a:endParaRPr lang="en-US" altLang="ko-KR" sz="1100" dirty="0" smtClean="0"/>
+              <a:t>강의평가 결과 조회</a:t>
+            </a:r>
+            <a:endParaRPr lang="en-US" altLang="ko-KR" sz="1100" dirty="0"/>
           </a:p>
           <a:p>
             <a:pPr algn="ctr"/>
             <a:r>
-              <a:rPr lang="ko-KR" altLang="en-US" sz="1100" dirty="0" smtClean="0"/>
-              <a:t> </a:t>
-            </a:r>
-            <a:r>
               <a:rPr lang="ko-KR" altLang="en-US" sz="1100" dirty="0"/>
-              <a:t>결과 정보</a:t>
+              <a:t> 결과 정보</a:t>
             </a:r>
           </a:p>
         </p:txBody>
@@ -6189,10 +5805,10 @@
         </p:nvGrpSpPr>
         <p:grpSpPr>
           <a:xfrm rot="1106482">
-            <a:off x="7259505" y="2749905"/>
-            <a:ext cx="1295969" cy="655888"/>
-            <a:chOff x="7621062" y="1703536"/>
-            <a:chExt cx="1295969" cy="655888"/>
+            <a:off x="7259506" y="2749901"/>
+            <a:ext cx="1295970" cy="655890"/>
+            <a:chOff x="7621060" y="1703533"/>
+            <a:chExt cx="1295969" cy="655891"/>
           </a:xfrm>
         </p:grpSpPr>
         <p:grpSp>
@@ -6253,7 +5869,7 @@
               <a:lstStyle/>
               <a:p>
                 <a:pPr algn="ctr"/>
-                <a:endParaRPr lang="ko-KR" altLang="en-US"/>
+                <a:endParaRPr lang="ko-KR" altLang="en-US" sz="1801"/>
               </a:p>
             </p:txBody>
           </p:sp>
@@ -6301,8 +5917,8 @@
           </p:nvSpPr>
           <p:spPr>
             <a:xfrm rot="2337195">
-              <a:off x="7621062" y="1703536"/>
-              <a:ext cx="1295969" cy="430887"/>
+              <a:off x="7621060" y="1703533"/>
+              <a:ext cx="1295969" cy="430888"/>
             </a:xfrm>
             <a:prstGeom prst="rect">
               <a:avLst/>
@@ -6317,15 +5933,15 @@
             <a:p>
               <a:pPr algn="ctr"/>
               <a:r>
-                <a:rPr lang="ko-KR" altLang="en-US" sz="1100" dirty="0" smtClean="0"/>
+                <a:rPr lang="ko-KR" altLang="en-US" sz="1100" dirty="0"/>
                 <a:t>강의평가 결과 </a:t>
               </a:r>
-              <a:endParaRPr lang="en-US" altLang="ko-KR" sz="1100" dirty="0" smtClean="0"/>
+              <a:endParaRPr lang="en-US" altLang="ko-KR" sz="1100" dirty="0"/>
             </a:p>
             <a:p>
               <a:pPr algn="ctr"/>
               <a:r>
-                <a:rPr lang="ko-KR" altLang="en-US" sz="1100" dirty="0" smtClean="0"/>
+                <a:rPr lang="ko-KR" altLang="en-US" sz="1100" dirty="0"/>
                 <a:t>조회 성공 여부</a:t>
               </a:r>
               <a:endParaRPr lang="ko-KR" altLang="en-US" sz="1600" dirty="0"/>
@@ -6341,9 +5957,9 @@
         </p:nvGrpSpPr>
         <p:grpSpPr>
           <a:xfrm>
-            <a:off x="5391212" y="2170109"/>
-            <a:ext cx="610397" cy="1410236"/>
-            <a:chOff x="5391212" y="1458074"/>
+            <a:off x="5391212" y="2170111"/>
+            <a:ext cx="610398" cy="1410236"/>
+            <a:chOff x="5391212" y="1458075"/>
             <a:chExt cx="610397" cy="1410236"/>
           </a:xfrm>
         </p:grpSpPr>
@@ -6403,7 +6019,7 @@
               <a:lstStyle/>
               <a:p>
                 <a:pPr algn="ctr"/>
-                <a:endParaRPr lang="ko-KR" altLang="en-US"/>
+                <a:endParaRPr lang="ko-KR" altLang="en-US" sz="1801"/>
               </a:p>
             </p:txBody>
           </p:sp>
@@ -6451,7 +6067,7 @@
           </p:nvSpPr>
           <p:spPr>
             <a:xfrm rot="16200000">
-              <a:off x="4816899" y="2032387"/>
+              <a:off x="4816899" y="2032388"/>
               <a:ext cx="1410236" cy="261610"/>
             </a:xfrm>
             <a:prstGeom prst="rect">
@@ -6467,7 +6083,7 @@
             <a:p>
               <a:pPr algn="ctr"/>
               <a:r>
-                <a:rPr lang="ko-KR" altLang="en-US" sz="1100" dirty="0" smtClean="0"/>
+                <a:rPr lang="ko-KR" altLang="en-US" sz="1100" dirty="0"/>
                 <a:t>권한 정보</a:t>
               </a:r>
               <a:endParaRPr lang="ko-KR" altLang="en-US" sz="1600" dirty="0"/>
@@ -6483,10 +6099,10 @@
         </p:nvGrpSpPr>
         <p:grpSpPr>
           <a:xfrm>
-            <a:off x="5959630" y="3238031"/>
-            <a:ext cx="623387" cy="1295969"/>
+            <a:off x="5974284" y="2864905"/>
+            <a:ext cx="623389" cy="1295970"/>
             <a:chOff x="5959630" y="2700647"/>
-            <a:chExt cx="623387" cy="1295969"/>
+            <a:chExt cx="623389" cy="1295969"/>
           </a:xfrm>
         </p:grpSpPr>
         <p:grpSp>
@@ -6498,9 +6114,9 @@
           <p:grpSpPr>
             <a:xfrm rot="13718309">
               <a:off x="5941902" y="3118731"/>
-              <a:ext cx="465295" cy="429840"/>
-              <a:chOff x="5764817" y="2081712"/>
-              <a:chExt cx="465295" cy="429840"/>
+              <a:ext cx="465295" cy="429839"/>
+              <a:chOff x="5764817" y="2081713"/>
+              <a:chExt cx="465295" cy="429839"/>
             </a:xfrm>
           </p:grpSpPr>
           <p:sp>
@@ -6511,7 +6127,7 @@
             </p:nvSpPr>
             <p:spPr>
               <a:xfrm>
-                <a:off x="5764817" y="2081712"/>
+                <a:off x="5764817" y="2081713"/>
                 <a:ext cx="254984" cy="254984"/>
               </a:xfrm>
               <a:prstGeom prst="ellipse">
@@ -6547,7 +6163,7 @@
               <a:lstStyle/>
               <a:p>
                 <a:pPr algn="ctr"/>
-                <a:endParaRPr lang="ko-KR" altLang="en-US"/>
+                <a:endParaRPr lang="ko-KR" altLang="en-US" sz="1801"/>
               </a:p>
             </p:txBody>
           </p:sp>
@@ -6595,7 +6211,7 @@
           </p:nvSpPr>
           <p:spPr>
             <a:xfrm rot="5400000">
-              <a:off x="5804227" y="3217827"/>
+              <a:off x="5804229" y="3217827"/>
               <a:ext cx="1295969" cy="261610"/>
             </a:xfrm>
             <a:prstGeom prst="rect">
@@ -6612,11 +6228,7 @@
               <a:pPr algn="ctr"/>
               <a:r>
                 <a:rPr lang="ko-KR" altLang="en-US" sz="1100" dirty="0"/>
-                <a:t>권한 </a:t>
-              </a:r>
-              <a:r>
-                <a:rPr lang="ko-KR" altLang="en-US" sz="1100" dirty="0" smtClean="0"/>
-                <a:t>확인 정보</a:t>
+                <a:t>권한 확인 정보</a:t>
               </a:r>
               <a:endParaRPr lang="ko-KR" altLang="en-US" sz="1600" dirty="0"/>
             </a:p>
@@ -6631,9 +6243,9 @@
         </p:nvGrpSpPr>
         <p:grpSpPr>
           <a:xfrm>
-            <a:off x="5243219" y="3021113"/>
-            <a:ext cx="758389" cy="1569394"/>
-            <a:chOff x="5243220" y="1298916"/>
+            <a:off x="5243223" y="3021115"/>
+            <a:ext cx="758390" cy="1569394"/>
+            <a:chOff x="5243220" y="1298917"/>
             <a:chExt cx="758389" cy="1569394"/>
           </a:xfrm>
         </p:grpSpPr>
@@ -6693,7 +6305,7 @@
               <a:lstStyle/>
               <a:p>
                 <a:pPr algn="ctr"/>
-                <a:endParaRPr lang="ko-KR" altLang="en-US"/>
+                <a:endParaRPr lang="ko-KR" altLang="en-US" sz="1801"/>
               </a:p>
             </p:txBody>
           </p:sp>
@@ -6741,7 +6353,7 @@
           </p:nvSpPr>
           <p:spPr>
             <a:xfrm rot="16200000">
-              <a:off x="4673967" y="1868169"/>
+              <a:off x="4673967" y="1868170"/>
               <a:ext cx="1569394" cy="430887"/>
             </a:xfrm>
             <a:prstGeom prst="rect">
@@ -6757,7 +6369,7 @@
             <a:p>
               <a:pPr algn="ctr"/>
               <a:r>
-                <a:rPr lang="ko-KR" altLang="en-US" sz="1100" dirty="0" smtClean="0"/>
+                <a:rPr lang="ko-KR" altLang="en-US" sz="1100" dirty="0"/>
                 <a:t>조회할 강의평가 </a:t>
               </a:r>
               <a:endParaRPr lang="en-US" altLang="ko-KR" sz="1100" dirty="0"/>
@@ -6765,7 +6377,7 @@
             <a:p>
               <a:pPr algn="ctr"/>
               <a:r>
-                <a:rPr lang="ko-KR" altLang="en-US" sz="1100" dirty="0" smtClean="0"/>
+                <a:rPr lang="ko-KR" altLang="en-US" sz="1100" dirty="0"/>
                 <a:t>결과 조회 정보</a:t>
               </a:r>
               <a:endParaRPr lang="ko-KR" altLang="en-US" sz="1600" dirty="0"/>
@@ -6773,52 +6385,155 @@
           </p:txBody>
         </p:sp>
       </p:grpSp>
-      <p:sp>
-        <p:nvSpPr>
-          <p:cNvPr id="98" name="타원 97"/>
-          <p:cNvSpPr/>
+      <p:grpSp>
+        <p:nvGrpSpPr>
+          <p:cNvPr id="3" name="그룹 2"/>
+          <p:cNvGrpSpPr/>
           <p:nvPr/>
-        </p:nvSpPr>
-        <p:spPr>
-          <a:xfrm rot="282253">
-            <a:off x="8424976" y="6526916"/>
-            <a:ext cx="254984" cy="254984"/>
+        </p:nvGrpSpPr>
+        <p:grpSpPr>
+          <a:xfrm>
+            <a:off x="6484934" y="3268248"/>
+            <a:ext cx="904338" cy="1412567"/>
+            <a:chOff x="6362472" y="3461472"/>
+            <a:chExt cx="904338" cy="1412567"/>
           </a:xfrm>
-          <a:prstGeom prst="ellipse">
-            <a:avLst/>
-          </a:prstGeom>
-          <a:noFill/>
-          <a:ln w="38100">
-            <a:solidFill>
-              <a:schemeClr val="accent1"/>
-            </a:solidFill>
-          </a:ln>
-        </p:spPr>
-        <p:style>
-          <a:lnRef idx="2">
-            <a:schemeClr val="accent1">
-              <a:shade val="50000"/>
-            </a:schemeClr>
-          </a:lnRef>
-          <a:fillRef idx="1">
-            <a:schemeClr val="accent1"/>
-          </a:fillRef>
-          <a:effectRef idx="0">
-            <a:schemeClr val="accent1"/>
-          </a:effectRef>
-          <a:fontRef idx="minor">
-            <a:schemeClr val="lt1"/>
-          </a:fontRef>
-        </p:style>
-        <p:txBody>
-          <a:bodyPr rtlCol="0" anchor="ctr"/>
-          <a:lstStyle/>
-          <a:p>
-            <a:pPr algn="ctr"/>
-            <a:endParaRPr lang="ko-KR" altLang="en-US"/>
-          </a:p>
-        </p:txBody>
-      </p:sp>
+        </p:grpSpPr>
+        <p:grpSp>
+          <p:nvGrpSpPr>
+            <p:cNvPr id="99" name="그룹 98"/>
+            <p:cNvGrpSpPr/>
+            <p:nvPr/>
+          </p:nvGrpSpPr>
+          <p:grpSpPr>
+            <a:xfrm rot="13627104">
+              <a:off x="6344744" y="3927288"/>
+              <a:ext cx="465295" cy="429840"/>
+              <a:chOff x="5764817" y="2081712"/>
+              <a:chExt cx="465295" cy="429840"/>
+            </a:xfrm>
+          </p:grpSpPr>
+          <p:sp>
+            <p:nvSpPr>
+              <p:cNvPr id="100" name="타원 99"/>
+              <p:cNvSpPr/>
+              <p:nvPr/>
+            </p:nvSpPr>
+            <p:spPr>
+              <a:xfrm>
+                <a:off x="5764817" y="2081712"/>
+                <a:ext cx="254984" cy="254984"/>
+              </a:xfrm>
+              <a:prstGeom prst="ellipse">
+                <a:avLst/>
+              </a:prstGeom>
+              <a:noFill/>
+              <a:ln w="38100">
+                <a:solidFill>
+                  <a:schemeClr val="accent1"/>
+                </a:solidFill>
+              </a:ln>
+            </p:spPr>
+            <p:style>
+              <a:lnRef idx="2">
+                <a:schemeClr val="accent1">
+                  <a:shade val="50000"/>
+                </a:schemeClr>
+              </a:lnRef>
+              <a:fillRef idx="1">
+                <a:schemeClr val="accent1"/>
+              </a:fillRef>
+              <a:effectRef idx="0">
+                <a:schemeClr val="accent1"/>
+              </a:effectRef>
+              <a:fontRef idx="minor">
+                <a:schemeClr val="lt1"/>
+              </a:fontRef>
+            </p:style>
+            <p:txBody>
+              <a:bodyPr rtlCol="0" anchor="ctr"/>
+              <a:lstStyle/>
+              <a:p>
+                <a:pPr algn="ctr"/>
+                <a:endParaRPr lang="ko-KR" altLang="en-US" sz="1801"/>
+              </a:p>
+            </p:txBody>
+          </p:sp>
+          <p:cxnSp>
+            <p:nvCxnSpPr>
+              <p:cNvPr id="101" name="직선 연결선 100"/>
+              <p:cNvCxnSpPr>
+                <a:endCxn id="100" idx="5"/>
+              </p:cNvCxnSpPr>
+              <p:nvPr/>
+            </p:nvCxnSpPr>
+            <p:spPr>
+              <a:xfrm flipH="1" flipV="1">
+                <a:off x="5982459" y="2299354"/>
+                <a:ext cx="247653" cy="212198"/>
+              </a:xfrm>
+              <a:prstGeom prst="line">
+                <a:avLst/>
+              </a:prstGeom>
+              <a:ln w="38100">
+                <a:headEnd type="stealth" w="lg" len="lg"/>
+              </a:ln>
+            </p:spPr>
+            <p:style>
+              <a:lnRef idx="1">
+                <a:schemeClr val="accent1"/>
+              </a:lnRef>
+              <a:fillRef idx="0">
+                <a:schemeClr val="accent1"/>
+              </a:fillRef>
+              <a:effectRef idx="0">
+                <a:schemeClr val="accent1"/>
+              </a:effectRef>
+              <a:fontRef idx="minor">
+                <a:schemeClr val="tx1"/>
+              </a:fontRef>
+            </p:style>
+          </p:cxnSp>
+        </p:grpSp>
+        <p:sp>
+          <p:nvSpPr>
+            <p:cNvPr id="105" name="TextBox 104"/>
+            <p:cNvSpPr txBox="1"/>
+            <p:nvPr/>
+          </p:nvSpPr>
+          <p:spPr>
+            <a:xfrm rot="5413260">
+              <a:off x="6345083" y="3952312"/>
+              <a:ext cx="1412567" cy="430887"/>
+            </a:xfrm>
+            <a:prstGeom prst="rect">
+              <a:avLst/>
+            </a:prstGeom>
+            <a:noFill/>
+          </p:spPr>
+          <p:txBody>
+            <a:bodyPr wrap="none" rtlCol="0">
+              <a:spAutoFit/>
+            </a:bodyPr>
+            <a:lstStyle/>
+            <a:p>
+              <a:pPr algn="ctr"/>
+              <a:r>
+                <a:rPr lang="ko-KR" altLang="en-US" sz="1100" dirty="0"/>
+                <a:t>강의평가 결과 조회</a:t>
+              </a:r>
+              <a:endParaRPr lang="en-US" altLang="ko-KR" sz="1100" dirty="0"/>
+            </a:p>
+            <a:p>
+              <a:pPr algn="ctr"/>
+              <a:r>
+                <a:rPr lang="ko-KR" altLang="en-US" sz="1100" dirty="0"/>
+                <a:t> 결과 정보</a:t>
+              </a:r>
+            </a:p>
+          </p:txBody>
+        </p:sp>
+      </p:grpSp>
     </p:spTree>
     <p:extLst>
       <p:ext uri="{BB962C8B-B14F-4D97-AF65-F5344CB8AC3E}">
@@ -6829,6 +6544,13 @@
   <p:clrMapOvr>
     <a:masterClrMapping/>
   </p:clrMapOvr>
+  <p:timing>
+    <p:tnLst>
+      <p:par>
+        <p:cTn id="1" dur="indefinite" restart="never" nodeType="tmRoot"/>
+      </p:par>
+    </p:tnLst>
+  </p:timing>
 </p:sld>
 </file>
 
@@ -6857,8 +6579,8 @@
         </p:nvGrpSpPr>
         <p:grpSpPr>
           <a:xfrm>
-            <a:off x="3188305" y="1882520"/>
-            <a:ext cx="5907348" cy="3194063"/>
+            <a:off x="3188306" y="1882522"/>
+            <a:ext cx="5907348" cy="3194062"/>
             <a:chOff x="3188305" y="1882520"/>
             <a:chExt cx="5907348" cy="3194063"/>
           </a:xfrm>
@@ -6908,18 +6630,13 @@
             <a:p>
               <a:pPr algn="ctr"/>
               <a:r>
-                <a:rPr lang="ko-KR" altLang="en-US" sz="1100" dirty="0" smtClean="0">
+                <a:rPr lang="ko-KR" altLang="en-US" sz="1100" dirty="0">
                   <a:solidFill>
                     <a:sysClr val="windowText" lastClr="000000"/>
                   </a:solidFill>
                 </a:rPr>
                 <a:t>강의평가 결과 변환</a:t>
               </a:r>
-              <a:endParaRPr lang="ko-KR" altLang="en-US" sz="1100" dirty="0">
-                <a:solidFill>
-                  <a:sysClr val="windowText" lastClr="000000"/>
-                </a:solidFill>
-              </a:endParaRPr>
             </a:p>
           </p:txBody>
         </p:sp>
@@ -6975,7 +6692,7 @@
                 </a:rPr>
                 <a:t>강의평가 결과 </a:t>
               </a:r>
-              <a:endParaRPr lang="en-US" altLang="ko-KR" sz="1100" dirty="0" smtClean="0">
+              <a:endParaRPr lang="en-US" altLang="ko-KR" sz="1100" dirty="0">
                 <a:solidFill>
                   <a:sysClr val="windowText" lastClr="000000"/>
                 </a:solidFill>
@@ -6984,18 +6701,13 @@
             <a:p>
               <a:pPr algn="ctr"/>
               <a:r>
-                <a:rPr lang="ko-KR" altLang="en-US" sz="1100" dirty="0" smtClean="0">
+                <a:rPr lang="ko-KR" altLang="en-US" sz="1100" dirty="0">
                   <a:solidFill>
                     <a:sysClr val="windowText" lastClr="000000"/>
                   </a:solidFill>
                 </a:rPr>
                 <a:t>조회 처리</a:t>
               </a:r>
-              <a:endParaRPr lang="ko-KR" altLang="en-US" sz="1100" dirty="0">
-                <a:solidFill>
-                  <a:sysClr val="windowText" lastClr="000000"/>
-                </a:solidFill>
-              </a:endParaRPr>
             </a:p>
           </p:txBody>
         </p:sp>
@@ -7044,14 +6756,14 @@
             <a:p>
               <a:pPr algn="ctr"/>
               <a:r>
-                <a:rPr lang="ko-KR" altLang="en-US" sz="1100" dirty="0" smtClean="0">
+                <a:rPr lang="ko-KR" altLang="en-US" sz="1100" dirty="0">
                   <a:solidFill>
                     <a:schemeClr val="tx1"/>
                   </a:solidFill>
                 </a:rPr>
                 <a:t>강의평가 결과 입력</a:t>
               </a:r>
-              <a:endParaRPr lang="en-US" altLang="ko-KR" sz="1100" dirty="0" smtClean="0">
+              <a:endParaRPr lang="en-US" altLang="ko-KR" sz="1100" dirty="0">
                 <a:solidFill>
                   <a:schemeClr val="tx1"/>
                 </a:solidFill>
@@ -7178,18 +6890,13 @@
             <a:p>
               <a:pPr algn="ctr"/>
               <a:r>
-                <a:rPr lang="ko-KR" altLang="en-US" sz="1100" dirty="0" smtClean="0">
+                <a:rPr lang="ko-KR" altLang="en-US" sz="1100" dirty="0">
                   <a:solidFill>
                     <a:sysClr val="windowText" lastClr="000000"/>
                   </a:solidFill>
                 </a:rPr>
                 <a:t>강의평가 결과 출력</a:t>
               </a:r>
-              <a:endParaRPr lang="ko-KR" altLang="en-US" sz="1100" dirty="0">
-                <a:solidFill>
-                  <a:sysClr val="windowText" lastClr="000000"/>
-                </a:solidFill>
-              </a:endParaRPr>
             </a:p>
           </p:txBody>
         </p:sp>
@@ -7240,6 +6947,13 @@
   <p:clrMapOvr>
     <a:masterClrMapping/>
   </p:clrMapOvr>
+  <p:timing>
+    <p:tnLst>
+      <p:par>
+        <p:cTn id="1" dur="indefinite" restart="never" nodeType="tmRoot"/>
+      </p:par>
+    </p:tnLst>
+  </p:timing>
 </p:sld>
 </file>
 
@@ -7268,8 +6982,8 @@
         </p:nvSpPr>
         <p:spPr>
           <a:xfrm>
-            <a:off x="5363483" y="1882520"/>
-            <a:ext cx="1556992" cy="726131"/>
+            <a:off x="5363483" y="1882521"/>
+            <a:ext cx="1556992" cy="726132"/>
           </a:xfrm>
           <a:prstGeom prst="rect">
             <a:avLst/>
@@ -7312,7 +7026,7 @@
               </a:rPr>
               <a:t>강의평가 결과 </a:t>
             </a:r>
-            <a:endParaRPr lang="en-US" altLang="ko-KR" sz="1100" dirty="0" smtClean="0">
+            <a:endParaRPr lang="en-US" altLang="ko-KR" sz="1100" dirty="0">
               <a:solidFill>
                 <a:sysClr val="windowText" lastClr="000000"/>
               </a:solidFill>
@@ -7321,18 +7035,13 @@
           <a:p>
             <a:pPr algn="ctr"/>
             <a:r>
-              <a:rPr lang="ko-KR" altLang="en-US" sz="1100" dirty="0" smtClean="0">
+              <a:rPr lang="ko-KR" altLang="en-US" sz="1100" dirty="0">
                 <a:solidFill>
                   <a:sysClr val="windowText" lastClr="000000"/>
                 </a:solidFill>
               </a:rPr>
               <a:t>조회 정보 입력</a:t>
             </a:r>
-            <a:endParaRPr lang="ko-KR" altLang="en-US" sz="1100" dirty="0">
-              <a:solidFill>
-                <a:sysClr val="windowText" lastClr="000000"/>
-              </a:solidFill>
-            </a:endParaRPr>
           </a:p>
         </p:txBody>
       </p:sp>
@@ -7344,8 +7053,8 @@
         </p:nvSpPr>
         <p:spPr>
           <a:xfrm>
-            <a:off x="5363483" y="4230057"/>
-            <a:ext cx="1556992" cy="726131"/>
+            <a:off x="5363483" y="4230058"/>
+            <a:ext cx="1556992" cy="726132"/>
           </a:xfrm>
           <a:prstGeom prst="rect">
             <a:avLst/>
@@ -7381,14 +7090,14 @@
           <a:p>
             <a:pPr algn="ctr"/>
             <a:r>
-              <a:rPr lang="ko-KR" altLang="en-US" sz="1100" dirty="0" smtClean="0">
+              <a:rPr lang="ko-KR" altLang="en-US" sz="1100" dirty="0">
                 <a:solidFill>
                   <a:sysClr val="windowText" lastClr="000000"/>
                 </a:solidFill>
               </a:rPr>
               <a:t>강의평가 결과 </a:t>
             </a:r>
-            <a:endParaRPr lang="en-US" altLang="ko-KR" sz="1100" dirty="0" smtClean="0">
+            <a:endParaRPr lang="en-US" altLang="ko-KR" sz="1100" dirty="0">
               <a:solidFill>
                 <a:sysClr val="windowText" lastClr="000000"/>
               </a:solidFill>
@@ -7397,18 +7106,13 @@
           <a:p>
             <a:pPr algn="ctr"/>
             <a:r>
-              <a:rPr lang="ko-KR" altLang="en-US" sz="1100" dirty="0" smtClean="0">
+              <a:rPr lang="ko-KR" altLang="en-US" sz="1100" dirty="0">
                 <a:solidFill>
                   <a:sysClr val="windowText" lastClr="000000"/>
                 </a:solidFill>
               </a:rPr>
               <a:t>조회 정보 입력</a:t>
             </a:r>
-            <a:endParaRPr lang="ko-KR" altLang="en-US" sz="1100" dirty="0">
-              <a:solidFill>
-                <a:sysClr val="windowText" lastClr="000000"/>
-              </a:solidFill>
-            </a:endParaRPr>
           </a:p>
         </p:txBody>
       </p:sp>
@@ -7423,7 +7127,7 @@
         </p:nvCxnSpPr>
         <p:spPr>
           <a:xfrm>
-            <a:off x="6141979" y="2608651"/>
+            <a:off x="6141979" y="2608653"/>
             <a:ext cx="0" cy="1621406"/>
           </a:xfrm>
           <a:prstGeom prst="straightConnector1">
@@ -7458,6 +7162,13 @@
   <p:clrMapOvr>
     <a:masterClrMapping/>
   </p:clrMapOvr>
+  <p:timing>
+    <p:tnLst>
+      <p:par>
+        <p:cTn id="1" dur="indefinite" restart="never" nodeType="tmRoot"/>
+      </p:par>
+    </p:tnLst>
+  </p:timing>
 </p:sld>
 </file>
 
@@ -7486,8 +7197,8 @@
         </p:nvSpPr>
         <p:spPr>
           <a:xfrm>
-            <a:off x="7457503" y="4234542"/>
-            <a:ext cx="1556992" cy="726131"/>
+            <a:off x="6920475" y="4206179"/>
+            <a:ext cx="1556992" cy="726132"/>
           </a:xfrm>
           <a:prstGeom prst="rect">
             <a:avLst/>
@@ -7523,14 +7234,14 @@
           <a:p>
             <a:pPr algn="ctr"/>
             <a:r>
-              <a:rPr lang="ko-KR" altLang="en-US" sz="1100" dirty="0" smtClean="0">
+              <a:rPr lang="ko-KR" altLang="en-US" sz="1100" dirty="0">
                 <a:solidFill>
                   <a:sysClr val="windowText" lastClr="000000"/>
                 </a:solidFill>
               </a:rPr>
               <a:t>강의평가 결과 </a:t>
             </a:r>
-            <a:endParaRPr lang="en-US" altLang="ko-KR" sz="1100" dirty="0" smtClean="0">
+            <a:endParaRPr lang="en-US" altLang="ko-KR" sz="1100" dirty="0">
               <a:solidFill>
                 <a:sysClr val="windowText" lastClr="000000"/>
               </a:solidFill>
@@ -7539,18 +7250,13 @@
           <a:p>
             <a:pPr algn="ctr"/>
             <a:r>
-              <a:rPr lang="ko-KR" altLang="en-US" sz="1100" dirty="0" smtClean="0">
+              <a:rPr lang="ko-KR" altLang="en-US" sz="1100" dirty="0">
                 <a:solidFill>
                   <a:sysClr val="windowText" lastClr="000000"/>
                 </a:solidFill>
               </a:rPr>
               <a:t>자료 검색</a:t>
             </a:r>
-            <a:endParaRPr lang="ko-KR" altLang="en-US" sz="1100" dirty="0">
-              <a:solidFill>
-                <a:sysClr val="windowText" lastClr="000000"/>
-              </a:solidFill>
-            </a:endParaRPr>
           </a:p>
         </p:txBody>
       </p:sp>
@@ -7562,8 +7268,8 @@
         </p:nvSpPr>
         <p:spPr>
           <a:xfrm>
-            <a:off x="5363483" y="1882520"/>
-            <a:ext cx="1556992" cy="726131"/>
+            <a:off x="5363483" y="1882521"/>
+            <a:ext cx="1556992" cy="726132"/>
           </a:xfrm>
           <a:prstGeom prst="rect">
             <a:avLst/>
@@ -7606,7 +7312,7 @@
               </a:rPr>
               <a:t>강의평가 결과 </a:t>
             </a:r>
-            <a:endParaRPr lang="en-US" altLang="ko-KR" sz="1100" dirty="0" smtClean="0">
+            <a:endParaRPr lang="en-US" altLang="ko-KR" sz="1100" dirty="0">
               <a:solidFill>
                 <a:sysClr val="windowText" lastClr="000000"/>
               </a:solidFill>
@@ -7615,18 +7321,13 @@
           <a:p>
             <a:pPr algn="ctr"/>
             <a:r>
-              <a:rPr lang="ko-KR" altLang="en-US" sz="1100" dirty="0" smtClean="0">
+              <a:rPr lang="ko-KR" altLang="en-US" sz="1100" dirty="0">
                 <a:solidFill>
                   <a:sysClr val="windowText" lastClr="000000"/>
                 </a:solidFill>
               </a:rPr>
               <a:t>조회 정보 변환</a:t>
             </a:r>
-            <a:endParaRPr lang="ko-KR" altLang="en-US" sz="1100" dirty="0">
-              <a:solidFill>
-                <a:sysClr val="windowText" lastClr="000000"/>
-              </a:solidFill>
-            </a:endParaRPr>
           </a:p>
         </p:txBody>
       </p:sp>
@@ -7638,8 +7339,8 @@
         </p:nvSpPr>
         <p:spPr>
           <a:xfrm>
-            <a:off x="5363483" y="4234542"/>
-            <a:ext cx="1556992" cy="726131"/>
+            <a:off x="3806490" y="4206179"/>
+            <a:ext cx="1556992" cy="726132"/>
           </a:xfrm>
           <a:prstGeom prst="rect">
             <a:avLst/>
@@ -7675,14 +7376,14 @@
           <a:p>
             <a:pPr algn="ctr"/>
             <a:r>
-              <a:rPr lang="ko-KR" altLang="en-US" sz="1100" dirty="0" smtClean="0">
+              <a:rPr lang="ko-KR" altLang="en-US" sz="1100" dirty="0">
                 <a:solidFill>
                   <a:schemeClr val="tx1"/>
                 </a:solidFill>
               </a:rPr>
               <a:t>강의평가 결과 </a:t>
             </a:r>
-            <a:endParaRPr lang="en-US" altLang="ko-KR" sz="1100" dirty="0" smtClean="0">
+            <a:endParaRPr lang="en-US" altLang="ko-KR" sz="1100" dirty="0">
               <a:solidFill>
                 <a:schemeClr val="tx1"/>
               </a:solidFill>
@@ -7691,18 +7392,13 @@
           <a:p>
             <a:pPr algn="ctr"/>
             <a:r>
-              <a:rPr lang="ko-KR" altLang="en-US" sz="1100" dirty="0" smtClean="0">
+              <a:rPr lang="ko-KR" altLang="en-US" sz="1100" dirty="0">
                 <a:solidFill>
                   <a:schemeClr val="tx1"/>
                 </a:solidFill>
               </a:rPr>
               <a:t>조회 권한 확인</a:t>
             </a:r>
-            <a:endParaRPr lang="ko-KR" altLang="en-US" sz="1100" dirty="0">
-              <a:solidFill>
-                <a:schemeClr val="tx1"/>
-              </a:solidFill>
-            </a:endParaRPr>
           </a:p>
         </p:txBody>
       </p:sp>
@@ -7716,9 +7412,9 @@
           <p:nvPr/>
         </p:nvCxnSpPr>
         <p:spPr>
-          <a:xfrm>
-            <a:off x="6141979" y="2608651"/>
-            <a:ext cx="0" cy="1625891"/>
+          <a:xfrm flipH="1">
+            <a:off x="4584986" y="2608653"/>
+            <a:ext cx="1556993" cy="1597526"/>
           </a:xfrm>
           <a:prstGeom prst="straightConnector1">
             <a:avLst/>
@@ -7754,120 +7450,8 @@
         </p:nvCxnSpPr>
         <p:spPr>
           <a:xfrm>
-            <a:off x="6141979" y="2608651"/>
-            <a:ext cx="2094020" cy="1625891"/>
-          </a:xfrm>
-          <a:prstGeom prst="straightConnector1">
-            <a:avLst/>
-          </a:prstGeom>
-          <a:ln w="38100">
-            <a:headEnd w="lg" len="lg"/>
-            <a:tailEnd type="triangle"/>
-          </a:ln>
-        </p:spPr>
-        <p:style>
-          <a:lnRef idx="1">
-            <a:schemeClr val="accent1"/>
-          </a:lnRef>
-          <a:fillRef idx="0">
-            <a:schemeClr val="accent1"/>
-          </a:fillRef>
-          <a:effectRef idx="0">
-            <a:schemeClr val="accent1"/>
-          </a:effectRef>
-          <a:fontRef idx="minor">
-            <a:schemeClr val="tx1"/>
-          </a:fontRef>
-        </p:style>
-      </p:cxnSp>
-      <p:sp>
-        <p:nvSpPr>
-          <p:cNvPr id="19" name="직사각형 18"/>
-          <p:cNvSpPr/>
-          <p:nvPr/>
-        </p:nvSpPr>
-        <p:spPr>
-          <a:xfrm>
-            <a:off x="3269464" y="4234542"/>
-            <a:ext cx="1556992" cy="726131"/>
-          </a:xfrm>
-          <a:prstGeom prst="rect">
-            <a:avLst/>
-          </a:prstGeom>
-          <a:noFill/>
-          <a:ln w="31750">
-            <a:solidFill>
-              <a:schemeClr val="accent1">
-                <a:shade val="50000"/>
-              </a:schemeClr>
-            </a:solidFill>
-          </a:ln>
-        </p:spPr>
-        <p:style>
-          <a:lnRef idx="2">
-            <a:schemeClr val="accent1">
-              <a:shade val="50000"/>
-            </a:schemeClr>
-          </a:lnRef>
-          <a:fillRef idx="1">
-            <a:schemeClr val="accent1"/>
-          </a:fillRef>
-          <a:effectRef idx="0">
-            <a:schemeClr val="accent1"/>
-          </a:effectRef>
-          <a:fontRef idx="minor">
-            <a:schemeClr val="lt1"/>
-          </a:fontRef>
-        </p:style>
-        <p:txBody>
-          <a:bodyPr rtlCol="0" anchor="ctr"/>
-          <a:lstStyle/>
-          <a:p>
-            <a:pPr algn="ctr"/>
-            <a:r>
-              <a:rPr lang="ko-KR" altLang="en-US" sz="1100" dirty="0" smtClean="0">
-                <a:solidFill>
-                  <a:schemeClr val="tx1"/>
-                </a:solidFill>
-              </a:rPr>
-              <a:t>강의평가 결과 </a:t>
-            </a:r>
-            <a:endParaRPr lang="en-US" altLang="ko-KR" sz="1100" dirty="0" smtClean="0">
-              <a:solidFill>
-                <a:schemeClr val="tx1"/>
-              </a:solidFill>
-            </a:endParaRPr>
-          </a:p>
-          <a:p>
-            <a:pPr algn="ctr"/>
-            <a:r>
-              <a:rPr lang="ko-KR" altLang="en-US" sz="1100" dirty="0" smtClean="0">
-                <a:solidFill>
-                  <a:schemeClr val="tx1"/>
-                </a:solidFill>
-              </a:rPr>
-              <a:t>정보 읽음</a:t>
-            </a:r>
-            <a:endParaRPr lang="ko-KR" altLang="en-US" sz="1100" dirty="0">
-              <a:solidFill>
-                <a:schemeClr val="tx1"/>
-              </a:solidFill>
-            </a:endParaRPr>
-          </a:p>
-        </p:txBody>
-      </p:sp>
-      <p:cxnSp>
-        <p:nvCxnSpPr>
-          <p:cNvPr id="20" name="직선 화살표 연결선 19"/>
-          <p:cNvCxnSpPr>
-            <a:stCxn id="6" idx="2"/>
-          </p:cNvCxnSpPr>
-          <p:nvPr/>
-        </p:nvCxnSpPr>
-        <p:spPr>
-          <a:xfrm flipH="1">
-            <a:off x="4047960" y="2608651"/>
-            <a:ext cx="2094019" cy="1625891"/>
+            <a:off x="6141979" y="2608653"/>
+            <a:ext cx="1556992" cy="1597526"/>
           </a:xfrm>
           <a:prstGeom prst="straightConnector1">
             <a:avLst/>
@@ -7902,6 +7486,13 @@
   <p:clrMapOvr>
     <a:masterClrMapping/>
   </p:clrMapOvr>
+  <p:timing>
+    <p:tnLst>
+      <p:par>
+        <p:cTn id="1" dur="indefinite" restart="never" nodeType="tmRoot"/>
+      </p:par>
+    </p:tnLst>
+  </p:timing>
 </p:sld>
 </file>
 
@@ -7931,7 +7522,7 @@
         <p:grpSpPr>
           <a:xfrm>
             <a:off x="3806491" y="1882520"/>
-            <a:ext cx="4670976" cy="3078154"/>
+            <a:ext cx="4670976" cy="3078155"/>
             <a:chOff x="3806491" y="1637821"/>
             <a:chExt cx="4670976" cy="3078154"/>
           </a:xfrm>
@@ -7981,7 +7572,7 @@
             <a:p>
               <a:pPr algn="ctr"/>
               <a:r>
-                <a:rPr lang="ko-KR" altLang="en-US" sz="1100" dirty="0" smtClean="0">
+                <a:rPr lang="ko-KR" altLang="en-US" sz="1100" dirty="0">
                   <a:solidFill>
                     <a:sysClr val="windowText" lastClr="000000"/>
                   </a:solidFill>
@@ -7997,18 +7588,13 @@
             <a:p>
               <a:pPr algn="ctr"/>
               <a:r>
-                <a:rPr lang="ko-KR" altLang="en-US" sz="1100" dirty="0" smtClean="0">
+                <a:rPr lang="ko-KR" altLang="en-US" sz="1100" dirty="0">
                   <a:solidFill>
                     <a:sysClr val="windowText" lastClr="000000"/>
                   </a:solidFill>
                 </a:rPr>
                 <a:t>조회 정보 출력</a:t>
               </a:r>
-              <a:endParaRPr lang="ko-KR" altLang="en-US" sz="1100" dirty="0">
-                <a:solidFill>
-                  <a:sysClr val="windowText" lastClr="000000"/>
-                </a:solidFill>
-              </a:endParaRPr>
             </a:p>
           </p:txBody>
         </p:sp>
@@ -8064,7 +7650,7 @@
                 </a:rPr>
                 <a:t>강의평가 결과 </a:t>
               </a:r>
-              <a:endParaRPr lang="en-US" altLang="ko-KR" sz="1100" dirty="0" smtClean="0">
+              <a:endParaRPr lang="en-US" altLang="ko-KR" sz="1100" dirty="0">
                 <a:solidFill>
                   <a:sysClr val="windowText" lastClr="000000"/>
                 </a:solidFill>
@@ -8073,18 +7659,13 @@
             <a:p>
               <a:pPr algn="ctr"/>
               <a:r>
-                <a:rPr lang="ko-KR" altLang="en-US" sz="1100" dirty="0" smtClean="0">
+                <a:rPr lang="ko-KR" altLang="en-US" sz="1100" dirty="0">
                   <a:solidFill>
                     <a:sysClr val="windowText" lastClr="000000"/>
                   </a:solidFill>
                 </a:rPr>
                 <a:t>조회 정보 출력</a:t>
               </a:r>
-              <a:endParaRPr lang="ko-KR" altLang="en-US" sz="1100" dirty="0">
-                <a:solidFill>
-                  <a:sysClr val="windowText" lastClr="000000"/>
-                </a:solidFill>
-              </a:endParaRPr>
             </a:p>
           </p:txBody>
         </p:sp>
@@ -8133,14 +7714,14 @@
             <a:p>
               <a:pPr algn="ctr"/>
               <a:r>
-                <a:rPr lang="ko-KR" altLang="en-US" sz="1100" dirty="0" smtClean="0">
+                <a:rPr lang="ko-KR" altLang="en-US" sz="1100" dirty="0">
                   <a:solidFill>
                     <a:schemeClr val="tx1"/>
                   </a:solidFill>
                 </a:rPr>
                 <a:t>강의평가 결과</a:t>
               </a:r>
-              <a:endParaRPr lang="en-US" altLang="ko-KR" sz="1100" dirty="0" smtClean="0">
+              <a:endParaRPr lang="en-US" altLang="ko-KR" sz="1100" dirty="0">
                 <a:solidFill>
                   <a:schemeClr val="tx1"/>
                 </a:solidFill>
@@ -8149,18 +7730,13 @@
             <a:p>
               <a:pPr algn="ctr"/>
               <a:r>
-                <a:rPr lang="ko-KR" altLang="en-US" sz="1100" dirty="0" smtClean="0">
+                <a:rPr lang="ko-KR" altLang="en-US" sz="1100" dirty="0">
                   <a:solidFill>
                     <a:schemeClr val="tx1"/>
                   </a:solidFill>
                 </a:rPr>
                 <a:t>조회 권한 오류 출력</a:t>
               </a:r>
-              <a:endParaRPr lang="ko-KR" altLang="en-US" sz="1100" dirty="0">
-                <a:solidFill>
-                  <a:schemeClr val="tx1"/>
-                </a:solidFill>
-              </a:endParaRPr>
             </a:p>
           </p:txBody>
         </p:sp>
@@ -8285,8 +7861,8 @@
         </p:blipFill>
         <p:spPr>
           <a:xfrm>
-            <a:off x="1904081" y="570796"/>
-            <a:ext cx="8383837" cy="5716407"/>
+            <a:off x="1904082" y="570798"/>
+            <a:ext cx="8383836" cy="5716407"/>
           </a:xfrm>
           <a:prstGeom prst="rect">
             <a:avLst/>
@@ -8305,8 +7881,8 @@
         </p:nvSpPr>
         <p:spPr>
           <a:xfrm>
-            <a:off x="4893971" y="759854"/>
-            <a:ext cx="3734874" cy="3168697"/>
+            <a:off x="4893972" y="759855"/>
+            <a:ext cx="3734875" cy="3168697"/>
           </a:xfrm>
           <a:custGeom>
             <a:avLst/>
@@ -8378,7 +7954,7 @@
           <a:lstStyle/>
           <a:p>
             <a:pPr algn="ctr"/>
-            <a:endParaRPr lang="ko-KR" altLang="en-US"/>
+            <a:endParaRPr lang="ko-KR" altLang="en-US" sz="1801"/>
           </a:p>
         </p:txBody>
       </p:sp>
@@ -8463,7 +8039,7 @@
           <a:lstStyle/>
           <a:p>
             <a:pPr algn="ctr"/>
-            <a:endParaRPr lang="ko-KR" altLang="en-US"/>
+            <a:endParaRPr lang="ko-KR" altLang="en-US" sz="1801"/>
           </a:p>
         </p:txBody>
       </p:sp>

--- a/SDD 관련 자료/작업 결과물/프로그램 구조도(트랜스폼, 트랜젝션)/강의평과 결과 조회.pptx
+++ b/SDD 관련 자료/작업 결과물/프로그램 구조도(트랜스폼, 트랜젝션)/강의평과 결과 조회.pptx
@@ -213,7 +213,7 @@
           <a:p>
             <a:fld id="{85632977-57FF-4290-851E-AE411BBBBEB2}" type="datetimeFigureOut">
               <a:rPr lang="ko-KR" altLang="en-US" smtClean="0"/>
-              <a:t>2016-05-31</a:t>
+              <a:t>2016-06-01</a:t>
             </a:fld>
             <a:endParaRPr lang="ko-KR" altLang="en-US"/>
           </a:p>
@@ -699,7 +699,7 @@
           <a:p>
             <a:fld id="{CF8179D7-D033-41D0-A6BF-A7F2D307D978}" type="datetimeFigureOut">
               <a:rPr lang="ko-KR" altLang="en-US" smtClean="0"/>
-              <a:t>2016-05-31</a:t>
+              <a:t>2016-06-01</a:t>
             </a:fld>
             <a:endParaRPr lang="ko-KR" altLang="en-US"/>
           </a:p>
@@ -867,7 +867,7 @@
           <a:p>
             <a:fld id="{CF8179D7-D033-41D0-A6BF-A7F2D307D978}" type="datetimeFigureOut">
               <a:rPr lang="ko-KR" altLang="en-US" smtClean="0"/>
-              <a:t>2016-05-31</a:t>
+              <a:t>2016-06-01</a:t>
             </a:fld>
             <a:endParaRPr lang="ko-KR" altLang="en-US"/>
           </a:p>
@@ -1045,7 +1045,7 @@
           <a:p>
             <a:fld id="{CF8179D7-D033-41D0-A6BF-A7F2D307D978}" type="datetimeFigureOut">
               <a:rPr lang="ko-KR" altLang="en-US" smtClean="0"/>
-              <a:t>2016-05-31</a:t>
+              <a:t>2016-06-01</a:t>
             </a:fld>
             <a:endParaRPr lang="ko-KR" altLang="en-US"/>
           </a:p>
@@ -1213,7 +1213,7 @@
           <a:p>
             <a:fld id="{CF8179D7-D033-41D0-A6BF-A7F2D307D978}" type="datetimeFigureOut">
               <a:rPr lang="ko-KR" altLang="en-US" smtClean="0"/>
-              <a:t>2016-05-31</a:t>
+              <a:t>2016-06-01</a:t>
             </a:fld>
             <a:endParaRPr lang="ko-KR" altLang="en-US"/>
           </a:p>
@@ -1458,7 +1458,7 @@
           <a:p>
             <a:fld id="{CF8179D7-D033-41D0-A6BF-A7F2D307D978}" type="datetimeFigureOut">
               <a:rPr lang="ko-KR" altLang="en-US" smtClean="0"/>
-              <a:t>2016-05-31</a:t>
+              <a:t>2016-06-01</a:t>
             </a:fld>
             <a:endParaRPr lang="ko-KR" altLang="en-US"/>
           </a:p>
@@ -1687,7 +1687,7 @@
           <a:p>
             <a:fld id="{CF8179D7-D033-41D0-A6BF-A7F2D307D978}" type="datetimeFigureOut">
               <a:rPr lang="ko-KR" altLang="en-US" smtClean="0"/>
-              <a:t>2016-05-31</a:t>
+              <a:t>2016-06-01</a:t>
             </a:fld>
             <a:endParaRPr lang="ko-KR" altLang="en-US"/>
           </a:p>
@@ -2051,7 +2051,7 @@
           <a:p>
             <a:fld id="{CF8179D7-D033-41D0-A6BF-A7F2D307D978}" type="datetimeFigureOut">
               <a:rPr lang="ko-KR" altLang="en-US" smtClean="0"/>
-              <a:t>2016-05-31</a:t>
+              <a:t>2016-06-01</a:t>
             </a:fld>
             <a:endParaRPr lang="ko-KR" altLang="en-US"/>
           </a:p>
@@ -2168,7 +2168,7 @@
           <a:p>
             <a:fld id="{CF8179D7-D033-41D0-A6BF-A7F2D307D978}" type="datetimeFigureOut">
               <a:rPr lang="ko-KR" altLang="en-US" smtClean="0"/>
-              <a:t>2016-05-31</a:t>
+              <a:t>2016-06-01</a:t>
             </a:fld>
             <a:endParaRPr lang="ko-KR" altLang="en-US"/>
           </a:p>
@@ -2263,7 +2263,7 @@
           <a:p>
             <a:fld id="{CF8179D7-D033-41D0-A6BF-A7F2D307D978}" type="datetimeFigureOut">
               <a:rPr lang="ko-KR" altLang="en-US" smtClean="0"/>
-              <a:t>2016-05-31</a:t>
+              <a:t>2016-06-01</a:t>
             </a:fld>
             <a:endParaRPr lang="ko-KR" altLang="en-US"/>
           </a:p>
@@ -2538,7 +2538,7 @@
           <a:p>
             <a:fld id="{CF8179D7-D033-41D0-A6BF-A7F2D307D978}" type="datetimeFigureOut">
               <a:rPr lang="ko-KR" altLang="en-US" smtClean="0"/>
-              <a:t>2016-05-31</a:t>
+              <a:t>2016-06-01</a:t>
             </a:fld>
             <a:endParaRPr lang="ko-KR" altLang="en-US"/>
           </a:p>
@@ -2790,7 +2790,7 @@
           <a:p>
             <a:fld id="{CF8179D7-D033-41D0-A6BF-A7F2D307D978}" type="datetimeFigureOut">
               <a:rPr lang="ko-KR" altLang="en-US" smtClean="0"/>
-              <a:t>2016-05-31</a:t>
+              <a:t>2016-06-01</a:t>
             </a:fld>
             <a:endParaRPr lang="ko-KR" altLang="en-US"/>
           </a:p>
@@ -3001,7 +3001,7 @@
           <a:p>
             <a:fld id="{CF8179D7-D033-41D0-A6BF-A7F2D307D978}" type="datetimeFigureOut">
               <a:rPr lang="ko-KR" altLang="en-US" smtClean="0"/>
-              <a:t>2016-05-31</a:t>
+              <a:t>2016-06-01</a:t>
             </a:fld>
             <a:endParaRPr lang="ko-KR" altLang="en-US"/>
           </a:p>
@@ -3456,8 +3456,29 @@
                   <a:sysClr val="windowText" lastClr="000000"/>
                 </a:solidFill>
               </a:rPr>
-              <a:t>강의평가 결과 변환</a:t>
-            </a:r>
+              <a:t>강의평가 결과 </a:t>
+            </a:r>
+            <a:endParaRPr lang="en-US" altLang="ko-KR" sz="1100" dirty="0" smtClean="0">
+              <a:solidFill>
+                <a:sysClr val="windowText" lastClr="000000"/>
+              </a:solidFill>
+            </a:endParaRPr>
+          </a:p>
+          <a:p>
+            <a:pPr algn="ctr"/>
+            <a:r>
+              <a:rPr lang="ko-KR" altLang="en-US" sz="1100" dirty="0" smtClean="0">
+                <a:solidFill>
+                  <a:sysClr val="windowText" lastClr="000000"/>
+                </a:solidFill>
+              </a:rPr>
+              <a:t>조회 변환</a:t>
+            </a:r>
+            <a:endParaRPr lang="ko-KR" altLang="en-US" sz="1100" dirty="0">
+              <a:solidFill>
+                <a:sysClr val="windowText" lastClr="000000"/>
+              </a:solidFill>
+            </a:endParaRPr>
           </a:p>
         </p:txBody>
       </p:sp>
@@ -3582,7 +3603,23 @@
                   <a:schemeClr val="tx1"/>
                 </a:solidFill>
               </a:rPr>
-              <a:t>강의평가 결과 입력</a:t>
+              <a:t>강의평가 결과 </a:t>
+            </a:r>
+            <a:endParaRPr lang="en-US" altLang="ko-KR" sz="1100" dirty="0" smtClean="0">
+              <a:solidFill>
+                <a:schemeClr val="tx1"/>
+              </a:solidFill>
+            </a:endParaRPr>
+          </a:p>
+          <a:p>
+            <a:pPr algn="ctr"/>
+            <a:r>
+              <a:rPr lang="ko-KR" altLang="en-US" sz="1100" dirty="0" smtClean="0">
+                <a:solidFill>
+                  <a:schemeClr val="tx1"/>
+                </a:solidFill>
+              </a:rPr>
+              <a:t>조회 입력</a:t>
             </a:r>
             <a:endParaRPr lang="en-US" altLang="ko-KR" sz="1100" dirty="0">
               <a:solidFill>
@@ -3716,8 +3753,37 @@
                   <a:sysClr val="windowText" lastClr="000000"/>
                 </a:solidFill>
               </a:rPr>
-              <a:t>강의평가 결과 출력</a:t>
-            </a:r>
+              <a:t>강의평가 결과 </a:t>
+            </a:r>
+            <a:endParaRPr lang="en-US" altLang="ko-KR" sz="1100" dirty="0" smtClean="0">
+              <a:solidFill>
+                <a:sysClr val="windowText" lastClr="000000"/>
+              </a:solidFill>
+            </a:endParaRPr>
+          </a:p>
+          <a:p>
+            <a:pPr algn="ctr"/>
+            <a:r>
+              <a:rPr lang="ko-KR" altLang="en-US" sz="1100" dirty="0" smtClean="0">
+                <a:solidFill>
+                  <a:sysClr val="windowText" lastClr="000000"/>
+                </a:solidFill>
+              </a:rPr>
+              <a:t>조회 </a:t>
+            </a:r>
+            <a:r>
+              <a:rPr lang="ko-KR" altLang="en-US" sz="1100" dirty="0" smtClean="0">
+                <a:solidFill>
+                  <a:sysClr val="windowText" lastClr="000000"/>
+                </a:solidFill>
+              </a:rPr>
+              <a:t>출력</a:t>
+            </a:r>
+            <a:endParaRPr lang="ko-KR" altLang="en-US" sz="1100" dirty="0">
+              <a:solidFill>
+                <a:sysClr val="windowText" lastClr="000000"/>
+              </a:solidFill>
+            </a:endParaRPr>
           </a:p>
         </p:txBody>
       </p:sp>
@@ -3809,22 +3875,19 @@
               </a:rPr>
               <a:t>강의평가 결과 </a:t>
             </a:r>
-            <a:endParaRPr lang="en-US" altLang="ko-KR" sz="1100" dirty="0">
+            <a:r>
+              <a:rPr lang="ko-KR" altLang="en-US" sz="1100" dirty="0" smtClean="0">
+                <a:solidFill>
+                  <a:sysClr val="windowText" lastClr="000000"/>
+                </a:solidFill>
+              </a:rPr>
+              <a:t>조회</a:t>
+            </a:r>
+            <a:endParaRPr lang="ko-KR" altLang="en-US" sz="1100" dirty="0">
               <a:solidFill>
                 <a:sysClr val="windowText" lastClr="000000"/>
               </a:solidFill>
             </a:endParaRPr>
-          </a:p>
-          <a:p>
-            <a:pPr algn="ctr"/>
-            <a:r>
-              <a:rPr lang="ko-KR" altLang="en-US" sz="1100" dirty="0">
-                <a:solidFill>
-                  <a:sysClr val="windowText" lastClr="000000"/>
-                </a:solidFill>
-              </a:rPr>
-              <a:t>자료 조회</a:t>
-            </a:r>
           </a:p>
         </p:txBody>
       </p:sp>
@@ -4250,12 +4313,20 @@
           <a:p>
             <a:pPr algn="ctr"/>
             <a:r>
+              <a:rPr lang="ko-KR" altLang="en-US" sz="1100" dirty="0" smtClean="0">
+                <a:solidFill>
+                  <a:schemeClr val="tx1"/>
+                </a:solidFill>
+              </a:rPr>
+              <a:t>조회 정보 </a:t>
+            </a:r>
+            <a:r>
               <a:rPr lang="ko-KR" altLang="en-US" sz="1100" dirty="0">
                 <a:solidFill>
                   <a:schemeClr val="tx1"/>
                 </a:solidFill>
               </a:rPr>
-              <a:t>정보 입력</a:t>
+              <a:t>입력</a:t>
             </a:r>
           </a:p>
         </p:txBody>

--- a/SDD 관련 자료/작업 결과물/프로그램 구조도(트랜스폼, 트랜젝션)/강의평과 결과 조회.pptx
+++ b/SDD 관련 자료/작업 결과물/프로그램 구조도(트랜스폼, 트랜젝션)/강의평과 결과 조회.pptx
@@ -3769,15 +3769,7 @@
                   <a:sysClr val="windowText" lastClr="000000"/>
                 </a:solidFill>
               </a:rPr>
-              <a:t>조회 </a:t>
-            </a:r>
-            <a:r>
-              <a:rPr lang="ko-KR" altLang="en-US" sz="1100" dirty="0" smtClean="0">
-                <a:solidFill>
-                  <a:sysClr val="windowText" lastClr="000000"/>
-                </a:solidFill>
-              </a:rPr>
-              <a:t>출력</a:t>
+              <a:t>조회 출력</a:t>
             </a:r>
             <a:endParaRPr lang="ko-KR" altLang="en-US" sz="1100" dirty="0">
               <a:solidFill>
@@ -3874,6 +3866,22 @@
                 </a:solidFill>
               </a:rPr>
               <a:t>강의평가 결과 </a:t>
+            </a:r>
+            <a:endParaRPr lang="en-US" altLang="ko-KR" sz="1100" dirty="0" smtClean="0">
+              <a:solidFill>
+                <a:sysClr val="windowText" lastClr="000000"/>
+              </a:solidFill>
+            </a:endParaRPr>
+          </a:p>
+          <a:p>
+            <a:pPr algn="ctr"/>
+            <a:r>
+              <a:rPr lang="ko-KR" altLang="en-US" sz="1100" dirty="0" smtClean="0">
+                <a:solidFill>
+                  <a:sysClr val="windowText" lastClr="000000"/>
+                </a:solidFill>
+              </a:rPr>
+              <a:t>정보 </a:t>
             </a:r>
             <a:r>
               <a:rPr lang="ko-KR" altLang="en-US" sz="1100" dirty="0" smtClean="0">

--- a/SDD 관련 자료/작업 결과물/프로그램 구조도(트랜스폼, 트랜젝션)/강의평과 결과 조회.pptx
+++ b/SDD 관련 자료/작업 결과물/프로그램 구조도(트랜스폼, 트랜젝션)/강의평과 결과 조회.pptx
@@ -3881,15 +3881,7 @@
                   <a:sysClr val="windowText" lastClr="000000"/>
                 </a:solidFill>
               </a:rPr>
-              <a:t>정보 </a:t>
-            </a:r>
-            <a:r>
-              <a:rPr lang="ko-KR" altLang="en-US" sz="1100" dirty="0" smtClean="0">
-                <a:solidFill>
-                  <a:sysClr val="windowText" lastClr="000000"/>
-                </a:solidFill>
-              </a:rPr>
-              <a:t>조회</a:t>
+              <a:t>정보 조회</a:t>
             </a:r>
             <a:endParaRPr lang="ko-KR" altLang="en-US" sz="1100" dirty="0">
               <a:solidFill>
@@ -4510,10 +4502,10 @@
         </p:nvGrpSpPr>
         <p:grpSpPr>
           <a:xfrm>
-            <a:off x="8597427" y="6094732"/>
-            <a:ext cx="2076209" cy="429841"/>
-            <a:chOff x="9967671" y="4237373"/>
-            <a:chExt cx="2076209" cy="429840"/>
+            <a:off x="8333377" y="5843628"/>
+            <a:ext cx="2076209" cy="429839"/>
+            <a:chOff x="9967671" y="4237374"/>
+            <a:chExt cx="2076209" cy="429838"/>
           </a:xfrm>
         </p:grpSpPr>
         <p:grpSp>
@@ -4524,10 +4516,10 @@
           </p:nvGrpSpPr>
           <p:grpSpPr>
             <a:xfrm rot="282253">
-              <a:off x="10452867" y="4237373"/>
-              <a:ext cx="465295" cy="429840"/>
-              <a:chOff x="5764817" y="2081712"/>
-              <a:chExt cx="465295" cy="429840"/>
+              <a:off x="10452867" y="4237374"/>
+              <a:ext cx="465295" cy="429838"/>
+              <a:chOff x="5764817" y="2081713"/>
+              <a:chExt cx="465295" cy="429838"/>
             </a:xfrm>
           </p:grpSpPr>
           <p:sp>
@@ -4538,7 +4530,7 @@
             </p:nvSpPr>
             <p:spPr>
               <a:xfrm>
-                <a:off x="5764817" y="2081712"/>
+                <a:off x="5764817" y="2081713"/>
                 <a:ext cx="254984" cy="254984"/>
               </a:xfrm>
               <a:prstGeom prst="ellipse">
@@ -4586,7 +4578,7 @@
             </p:nvCxnSpPr>
             <p:spPr>
               <a:xfrm flipH="1" flipV="1">
-                <a:off x="5982459" y="2299354"/>
+                <a:off x="5982459" y="2299353"/>
                 <a:ext cx="247653" cy="212198"/>
               </a:xfrm>
               <a:prstGeom prst="line">
@@ -6613,6 +6605,307 @@
           </p:txBody>
         </p:sp>
       </p:grpSp>
+      <p:grpSp>
+        <p:nvGrpSpPr>
+          <p:cNvPr id="94" name="그룹 93"/>
+          <p:cNvGrpSpPr/>
+          <p:nvPr/>
+        </p:nvGrpSpPr>
+        <p:grpSpPr>
+          <a:xfrm rot="1106482">
+            <a:off x="9746518" y="6964292"/>
+            <a:ext cx="1295970" cy="655890"/>
+            <a:chOff x="7621060" y="1703533"/>
+            <a:chExt cx="1295969" cy="655891"/>
+          </a:xfrm>
+        </p:grpSpPr>
+        <p:grpSp>
+          <p:nvGrpSpPr>
+            <p:cNvPr id="95" name="그룹 94"/>
+            <p:cNvGrpSpPr/>
+            <p:nvPr/>
+          </p:nvGrpSpPr>
+          <p:grpSpPr>
+            <a:xfrm>
+              <a:off x="7666981" y="1929584"/>
+              <a:ext cx="465295" cy="429840"/>
+              <a:chOff x="5764817" y="2081712"/>
+              <a:chExt cx="465295" cy="429840"/>
+            </a:xfrm>
+          </p:grpSpPr>
+          <p:sp>
+            <p:nvSpPr>
+              <p:cNvPr id="97" name="타원 96"/>
+              <p:cNvSpPr/>
+              <p:nvPr/>
+            </p:nvSpPr>
+            <p:spPr>
+              <a:xfrm>
+                <a:off x="5764817" y="2081712"/>
+                <a:ext cx="254984" cy="254984"/>
+              </a:xfrm>
+              <a:prstGeom prst="ellipse">
+                <a:avLst/>
+              </a:prstGeom>
+              <a:solidFill>
+                <a:schemeClr val="accent1"/>
+              </a:solidFill>
+              <a:ln w="38100">
+                <a:solidFill>
+                  <a:schemeClr val="accent1"/>
+                </a:solidFill>
+              </a:ln>
+            </p:spPr>
+            <p:style>
+              <a:lnRef idx="2">
+                <a:schemeClr val="accent1">
+                  <a:shade val="50000"/>
+                </a:schemeClr>
+              </a:lnRef>
+              <a:fillRef idx="1">
+                <a:schemeClr val="accent1"/>
+              </a:fillRef>
+              <a:effectRef idx="0">
+                <a:schemeClr val="accent1"/>
+              </a:effectRef>
+              <a:fontRef idx="minor">
+                <a:schemeClr val="lt1"/>
+              </a:fontRef>
+            </p:style>
+            <p:txBody>
+              <a:bodyPr rtlCol="0" anchor="ctr"/>
+              <a:lstStyle/>
+              <a:p>
+                <a:pPr algn="ctr"/>
+                <a:endParaRPr lang="ko-KR" altLang="en-US" sz="1801"/>
+              </a:p>
+            </p:txBody>
+          </p:sp>
+          <p:cxnSp>
+            <p:nvCxnSpPr>
+              <p:cNvPr id="98" name="직선 연결선 97"/>
+              <p:cNvCxnSpPr>
+                <a:endCxn id="97" idx="5"/>
+              </p:cNvCxnSpPr>
+              <p:nvPr/>
+            </p:nvCxnSpPr>
+            <p:spPr>
+              <a:xfrm flipH="1" flipV="1">
+                <a:off x="5982459" y="2299354"/>
+                <a:ext cx="247653" cy="212198"/>
+              </a:xfrm>
+              <a:prstGeom prst="line">
+                <a:avLst/>
+              </a:prstGeom>
+              <a:ln w="38100">
+                <a:headEnd type="stealth" w="lg" len="lg"/>
+              </a:ln>
+            </p:spPr>
+            <p:style>
+              <a:lnRef idx="1">
+                <a:schemeClr val="accent1"/>
+              </a:lnRef>
+              <a:fillRef idx="0">
+                <a:schemeClr val="accent1"/>
+              </a:fillRef>
+              <a:effectRef idx="0">
+                <a:schemeClr val="accent1"/>
+              </a:effectRef>
+              <a:fontRef idx="minor">
+                <a:schemeClr val="tx1"/>
+              </a:fontRef>
+            </p:style>
+          </p:cxnSp>
+        </p:grpSp>
+        <p:sp>
+          <p:nvSpPr>
+            <p:cNvPr id="96" name="TextBox 95"/>
+            <p:cNvSpPr txBox="1"/>
+            <p:nvPr/>
+          </p:nvSpPr>
+          <p:spPr>
+            <a:xfrm rot="2337195">
+              <a:off x="7621060" y="1703533"/>
+              <a:ext cx="1295969" cy="430888"/>
+            </a:xfrm>
+            <a:prstGeom prst="rect">
+              <a:avLst/>
+            </a:prstGeom>
+            <a:noFill/>
+          </p:spPr>
+          <p:txBody>
+            <a:bodyPr wrap="square" rtlCol="0">
+              <a:spAutoFit/>
+            </a:bodyPr>
+            <a:lstStyle/>
+            <a:p>
+              <a:pPr algn="ctr"/>
+              <a:r>
+                <a:rPr lang="ko-KR" altLang="en-US" sz="1100" dirty="0"/>
+                <a:t>강의평가 결과 </a:t>
+              </a:r>
+              <a:endParaRPr lang="en-US" altLang="ko-KR" sz="1100" dirty="0"/>
+            </a:p>
+            <a:p>
+              <a:pPr algn="ctr"/>
+              <a:r>
+                <a:rPr lang="ko-KR" altLang="en-US" sz="1100" dirty="0"/>
+                <a:t>조회 성공 여부</a:t>
+              </a:r>
+              <a:endParaRPr lang="ko-KR" altLang="en-US" sz="1600" dirty="0"/>
+            </a:p>
+          </p:txBody>
+        </p:sp>
+      </p:grpSp>
+      <p:grpSp>
+        <p:nvGrpSpPr>
+          <p:cNvPr id="106" name="그룹 105"/>
+          <p:cNvGrpSpPr/>
+          <p:nvPr/>
+        </p:nvGrpSpPr>
+        <p:grpSpPr>
+          <a:xfrm rot="9212840">
+            <a:off x="7997097" y="3219698"/>
+            <a:ext cx="783561" cy="1412567"/>
+            <a:chOff x="6008751" y="3454412"/>
+            <a:chExt cx="783561" cy="1412567"/>
+          </a:xfrm>
+        </p:grpSpPr>
+        <p:grpSp>
+          <p:nvGrpSpPr>
+            <p:cNvPr id="107" name="그룹 106"/>
+            <p:cNvGrpSpPr/>
+            <p:nvPr/>
+          </p:nvGrpSpPr>
+          <p:grpSpPr>
+            <a:xfrm rot="13627104">
+              <a:off x="6344744" y="3927288"/>
+              <a:ext cx="465295" cy="429840"/>
+              <a:chOff x="5764817" y="2081712"/>
+              <a:chExt cx="465295" cy="429840"/>
+            </a:xfrm>
+          </p:grpSpPr>
+          <p:sp>
+            <p:nvSpPr>
+              <p:cNvPr id="109" name="타원 108"/>
+              <p:cNvSpPr/>
+              <p:nvPr/>
+            </p:nvSpPr>
+            <p:spPr>
+              <a:xfrm>
+                <a:off x="5764817" y="2081712"/>
+                <a:ext cx="254984" cy="254984"/>
+              </a:xfrm>
+              <a:prstGeom prst="ellipse">
+                <a:avLst/>
+              </a:prstGeom>
+              <a:noFill/>
+              <a:ln w="38100">
+                <a:solidFill>
+                  <a:schemeClr val="accent1"/>
+                </a:solidFill>
+              </a:ln>
+            </p:spPr>
+            <p:style>
+              <a:lnRef idx="2">
+                <a:schemeClr val="accent1">
+                  <a:shade val="50000"/>
+                </a:schemeClr>
+              </a:lnRef>
+              <a:fillRef idx="1">
+                <a:schemeClr val="accent1"/>
+              </a:fillRef>
+              <a:effectRef idx="0">
+                <a:schemeClr val="accent1"/>
+              </a:effectRef>
+              <a:fontRef idx="minor">
+                <a:schemeClr val="lt1"/>
+              </a:fontRef>
+            </p:style>
+            <p:txBody>
+              <a:bodyPr rtlCol="0" anchor="ctr"/>
+              <a:lstStyle/>
+              <a:p>
+                <a:pPr algn="ctr"/>
+                <a:endParaRPr lang="ko-KR" altLang="en-US" sz="1801"/>
+              </a:p>
+            </p:txBody>
+          </p:sp>
+          <p:cxnSp>
+            <p:nvCxnSpPr>
+              <p:cNvPr id="110" name="직선 연결선 109"/>
+              <p:cNvCxnSpPr>
+                <a:endCxn id="109" idx="5"/>
+              </p:cNvCxnSpPr>
+              <p:nvPr/>
+            </p:nvCxnSpPr>
+            <p:spPr>
+              <a:xfrm flipH="1" flipV="1">
+                <a:off x="5982459" y="2299354"/>
+                <a:ext cx="247653" cy="212198"/>
+              </a:xfrm>
+              <a:prstGeom prst="line">
+                <a:avLst/>
+              </a:prstGeom>
+              <a:ln w="38100">
+                <a:headEnd type="stealth" w="lg" len="lg"/>
+              </a:ln>
+            </p:spPr>
+            <p:style>
+              <a:lnRef idx="1">
+                <a:schemeClr val="accent1"/>
+              </a:lnRef>
+              <a:fillRef idx="0">
+                <a:schemeClr val="accent1"/>
+              </a:fillRef>
+              <a:effectRef idx="0">
+                <a:schemeClr val="accent1"/>
+              </a:effectRef>
+              <a:fontRef idx="minor">
+                <a:schemeClr val="tx1"/>
+              </a:fontRef>
+            </p:style>
+          </p:cxnSp>
+        </p:grpSp>
+        <p:sp>
+          <p:nvSpPr>
+            <p:cNvPr id="108" name="TextBox 107"/>
+            <p:cNvSpPr txBox="1"/>
+            <p:nvPr/>
+          </p:nvSpPr>
+          <p:spPr>
+            <a:xfrm rot="16160251">
+              <a:off x="5517911" y="3945252"/>
+              <a:ext cx="1412567" cy="430887"/>
+            </a:xfrm>
+            <a:prstGeom prst="rect">
+              <a:avLst/>
+            </a:prstGeom>
+            <a:noFill/>
+          </p:spPr>
+          <p:txBody>
+            <a:bodyPr wrap="none" rtlCol="0">
+              <a:spAutoFit/>
+            </a:bodyPr>
+            <a:lstStyle/>
+            <a:p>
+              <a:pPr algn="ctr"/>
+              <a:r>
+                <a:rPr lang="ko-KR" altLang="en-US" sz="1100" dirty="0"/>
+                <a:t>강의평가 결과 조회</a:t>
+              </a:r>
+              <a:endParaRPr lang="en-US" altLang="ko-KR" sz="1100" dirty="0"/>
+            </a:p>
+            <a:p>
+              <a:pPr algn="ctr"/>
+              <a:r>
+                <a:rPr lang="ko-KR" altLang="en-US" sz="1100" dirty="0"/>
+                <a:t> 결과 정보</a:t>
+              </a:r>
+            </a:p>
+          </p:txBody>
+        </p:sp>
+      </p:grpSp>
     </p:spTree>
     <p:extLst>
       <p:ext uri="{BB962C8B-B14F-4D97-AF65-F5344CB8AC3E}">
